--- a/ИСТ120-РПС-КП-Буланов/ИСТ-120-РПС-КП-Презентация-Буланов.pptx
+++ b/ИСТ120-РПС-КП-Буланов/ИСТ-120-РПС-КП-Презентация-Буланов.pptx
@@ -5,25 +5,27 @@
     <p:sldMasterId id="2147483672" r:id="rId1"/>
   </p:sldMasterIdLst>
   <p:notesMasterIdLst>
-    <p:notesMasterId r:id="rId18"/>
+    <p:notesMasterId r:id="rId20"/>
   </p:notesMasterIdLst>
   <p:sldIdLst>
     <p:sldId id="256" r:id="rId2"/>
-    <p:sldId id="257" r:id="rId3"/>
-    <p:sldId id="259" r:id="rId4"/>
-    <p:sldId id="258" r:id="rId5"/>
-    <p:sldId id="263" r:id="rId6"/>
-    <p:sldId id="264" r:id="rId7"/>
-    <p:sldId id="268" r:id="rId8"/>
-    <p:sldId id="265" r:id="rId9"/>
-    <p:sldId id="269" r:id="rId10"/>
-    <p:sldId id="266" r:id="rId11"/>
-    <p:sldId id="267" r:id="rId12"/>
-    <p:sldId id="270" r:id="rId13"/>
-    <p:sldId id="271" r:id="rId14"/>
-    <p:sldId id="262" r:id="rId15"/>
-    <p:sldId id="260" r:id="rId16"/>
-    <p:sldId id="261" r:id="rId17"/>
+    <p:sldId id="272" r:id="rId3"/>
+    <p:sldId id="273" r:id="rId4"/>
+    <p:sldId id="257" r:id="rId5"/>
+    <p:sldId id="259" r:id="rId6"/>
+    <p:sldId id="258" r:id="rId7"/>
+    <p:sldId id="263" r:id="rId8"/>
+    <p:sldId id="264" r:id="rId9"/>
+    <p:sldId id="268" r:id="rId10"/>
+    <p:sldId id="265" r:id="rId11"/>
+    <p:sldId id="269" r:id="rId12"/>
+    <p:sldId id="266" r:id="rId13"/>
+    <p:sldId id="267" r:id="rId14"/>
+    <p:sldId id="270" r:id="rId15"/>
+    <p:sldId id="271" r:id="rId16"/>
+    <p:sldId id="262" r:id="rId17"/>
+    <p:sldId id="260" r:id="rId18"/>
+    <p:sldId id="261" r:id="rId19"/>
   </p:sldIdLst>
   <p:sldSz cx="12192000" cy="6858000"/>
   <p:notesSz cx="6858000" cy="9144000"/>
@@ -124,7 +126,7 @@
   </p:defaultTextStyle>
   <p:extLst>
     <p:ext uri="{EFAFB233-063F-42B5-8137-9DF3F51BA10A}">
-      <p15:sldGuideLst xmlns:p15="http://schemas.microsoft.com/office/powerpoint/2012/main" xmlns="">
+      <p15:sldGuideLst xmlns="" xmlns:p15="http://schemas.microsoft.com/office/powerpoint/2012/main">
         <p15:guide id="1" orient="horz" pos="2160">
           <p15:clr>
             <a:srgbClr val="A4A3A4"/>
@@ -223,7 +225,7 @@
           <a:p>
             <a:fld id="{4525CC9A-66A6-45FF-8318-771BE5A283CD}" type="datetimeFigureOut">
               <a:rPr lang="ru-RU" smtClean="0"/>
-              <a:t>04.06.2023</a:t>
+              <a:t>07.06.2023</a:t>
             </a:fld>
             <a:endParaRPr lang="ru-RU"/>
           </a:p>
@@ -639,7 +641,7 @@
           <a:p>
             <a:fld id="{EBDA2733-744A-49CA-8CBE-FD573705FE8E}" type="slidenum">
               <a:rPr lang="ru-RU" smtClean="0"/>
-              <a:t>4</a:t>
+              <a:t>6</a:t>
             </a:fld>
             <a:endParaRPr lang="ru-RU"/>
           </a:p>
@@ -723,7 +725,7 @@
           <a:p>
             <a:fld id="{EBDA2733-744A-49CA-8CBE-FD573705FE8E}" type="slidenum">
               <a:rPr lang="ru-RU" smtClean="0"/>
-              <a:t>14</a:t>
+              <a:t>16</a:t>
             </a:fld>
             <a:endParaRPr lang="ru-RU"/>
           </a:p>
@@ -911,7 +913,7 @@
           <a:p>
             <a:fld id="{1C66ABC8-CCA4-4B8F-AB89-07F5D2750DA2}" type="datetime1">
               <a:rPr lang="ru-RU" smtClean="0"/>
-              <a:t>04.06.2023</a:t>
+              <a:t>07.06.2023</a:t>
             </a:fld>
             <a:endParaRPr lang="ru-RU"/>
           </a:p>
@@ -1241,7 +1243,7 @@
           <a:p>
             <a:fld id="{F2E56C0C-0181-4AE0-9192-D81222B2D20A}" type="datetime1">
               <a:rPr lang="ru-RU" smtClean="0"/>
-              <a:t>04.06.2023</a:t>
+              <a:t>07.06.2023</a:t>
             </a:fld>
             <a:endParaRPr lang="ru-RU"/>
           </a:p>
@@ -1421,7 +1423,7 @@
           <a:p>
             <a:fld id="{5FB8542A-98D2-4CE2-990B-09C7C6D79F03}" type="datetime1">
               <a:rPr lang="ru-RU" smtClean="0"/>
-              <a:t>04.06.2023</a:t>
+              <a:t>07.06.2023</a:t>
             </a:fld>
             <a:endParaRPr lang="ru-RU"/>
           </a:p>
@@ -1591,7 +1593,7 @@
           <a:p>
             <a:fld id="{20E9D1A4-D51B-4D2D-BD92-4BF85C0DF7A4}" type="datetime1">
               <a:rPr lang="ru-RU" smtClean="0"/>
-              <a:t>04.06.2023</a:t>
+              <a:t>07.06.2023</a:t>
             </a:fld>
             <a:endParaRPr lang="ru-RU"/>
           </a:p>
@@ -1868,7 +1870,7 @@
           <a:p>
             <a:fld id="{21CC7EFD-6DCF-4647-9ECF-450C7CAC28A9}" type="datetime1">
               <a:rPr lang="ru-RU" smtClean="0"/>
-              <a:t>04.06.2023</a:t>
+              <a:t>07.06.2023</a:t>
             </a:fld>
             <a:endParaRPr lang="ru-RU"/>
           </a:p>
@@ -2262,7 +2264,7 @@
           <a:p>
             <a:fld id="{7214FF07-D32F-481F-8463-2CAF87641EC9}" type="datetime1">
               <a:rPr lang="ru-RU" smtClean="0"/>
-              <a:t>04.06.2023</a:t>
+              <a:t>07.06.2023</a:t>
             </a:fld>
             <a:endParaRPr lang="ru-RU"/>
           </a:p>
@@ -2739,7 +2741,7 @@
           <a:p>
             <a:fld id="{4B35C29C-3F57-4B5F-A42C-CCFF03788800}" type="datetime1">
               <a:rPr lang="ru-RU" smtClean="0"/>
-              <a:t>04.06.2023</a:t>
+              <a:t>07.06.2023</a:t>
             </a:fld>
             <a:endParaRPr lang="ru-RU"/>
           </a:p>
@@ -2857,7 +2859,7 @@
           <a:p>
             <a:fld id="{BA2E38C4-9857-49AF-8273-155DF56839E0}" type="datetime1">
               <a:rPr lang="ru-RU" smtClean="0"/>
-              <a:t>04.06.2023</a:t>
+              <a:t>07.06.2023</a:t>
             </a:fld>
             <a:endParaRPr lang="ru-RU"/>
           </a:p>
@@ -2952,7 +2954,7 @@
           <a:p>
             <a:fld id="{08E693AA-613E-4D90-B5DA-8CE9DCAA60B5}" type="datetime1">
               <a:rPr lang="ru-RU" smtClean="0"/>
-              <a:t>04.06.2023</a:t>
+              <a:t>07.06.2023</a:t>
             </a:fld>
             <a:endParaRPr lang="ru-RU"/>
           </a:p>
@@ -3298,7 +3300,7 @@
           <a:p>
             <a:fld id="{6ECCD433-B5F7-42E0-8F6B-4F9E85F2F6EA}" type="datetime1">
               <a:rPr lang="ru-RU" smtClean="0"/>
-              <a:t>04.06.2023</a:t>
+              <a:t>07.06.2023</a:t>
             </a:fld>
             <a:endParaRPr lang="ru-RU"/>
           </a:p>
@@ -3686,7 +3688,7 @@
           <a:p>
             <a:fld id="{D414164E-9A4F-4FED-95EC-A52A8F7A63E0}" type="datetime1">
               <a:rPr lang="ru-RU" smtClean="0"/>
-              <a:t>04.06.2023</a:t>
+              <a:t>07.06.2023</a:t>
             </a:fld>
             <a:endParaRPr lang="ru-RU"/>
           </a:p>
@@ -3964,7 +3966,7 @@
           <a:p>
             <a:fld id="{B1797F4D-44A0-4C0A-83EF-257632FD2AE3}" type="datetime1">
               <a:rPr lang="ru-RU" smtClean="0"/>
-              <a:t>04.06.2023</a:t>
+              <a:t>07.06.2023</a:t>
             </a:fld>
             <a:endParaRPr lang="ru-RU"/>
           </a:p>
@@ -4411,9 +4413,9 @@
       </a:lvl9pPr>
     </p:otherStyle>
   </p:txStyles>
-  <p:extLst mod="1">
+  <p:extLst>
     <p:ext uri="{27BBF7A9-308A-43DC-89C8-2F10F3537804}">
-      <p15:sldGuideLst xmlns:p15="http://schemas.microsoft.com/office/powerpoint/2012/main" xmlns="">
+      <p15:sldGuideLst xmlns="" xmlns:p15="http://schemas.microsoft.com/office/powerpoint/2012/main">
         <p15:guide id="3" orient="horz" pos="1368">
           <p15:clr>
             <a:srgbClr val="F26B43"/>
@@ -4482,7 +4484,7 @@
           <p:cNvPr id="2" name="Заголовок 1">
             <a:extLst>
               <a:ext uri="{FF2B5EF4-FFF2-40B4-BE49-F238E27FC236}">
-                <a16:creationId xmlns:a16="http://schemas.microsoft.com/office/drawing/2014/main" xmlns="" id="{0636094E-05C8-5E54-0E94-BEE90A46E91A}"/>
+                <a16:creationId xmlns="" xmlns:a16="http://schemas.microsoft.com/office/drawing/2014/main" id="{0636094E-05C8-5E54-0E94-BEE90A46E91A}"/>
               </a:ext>
             </a:extLst>
           </p:cNvPr>
@@ -4516,7 +4518,6 @@
               <a:rPr lang="ru-RU" sz="4000" dirty="0"/>
               <a:t>Единая система автоматизации поликлиник (ЕСАП)</a:t>
             </a:r>
-            <a:endParaRPr lang="ru-RU" sz="4000" dirty="0"/>
           </a:p>
         </p:txBody>
       </p:sp>
@@ -4525,7 +4526,7 @@
           <p:cNvPr id="3" name="Подзаголовок 2">
             <a:extLst>
               <a:ext uri="{FF2B5EF4-FFF2-40B4-BE49-F238E27FC236}">
-                <a16:creationId xmlns:a16="http://schemas.microsoft.com/office/drawing/2014/main" xmlns="" id="{95CF3911-9861-1499-8B86-7B180FD60483}"/>
+                <a16:creationId xmlns="" xmlns:a16="http://schemas.microsoft.com/office/drawing/2014/main" id="{95CF3911-9861-1499-8B86-7B180FD60483}"/>
               </a:ext>
             </a:extLst>
           </p:cNvPr>
@@ -4592,6 +4593,13 @@
   <p:clrMapOvr>
     <a:masterClrMapping/>
   </p:clrMapOvr>
+  <p:timing>
+    <p:tnLst>
+      <p:par>
+        <p:cTn id="1" dur="indefinite" restart="never" nodeType="tmRoot"/>
+      </p:par>
+    </p:tnLst>
+  </p:timing>
 </p:sld>
 </file>
 
@@ -4617,7 +4625,7 @@
           <p:cNvPr id="2" name="Заголовок 1">
             <a:extLst>
               <a:ext uri="{FF2B5EF4-FFF2-40B4-BE49-F238E27FC236}">
-                <a16:creationId xmlns:a16="http://schemas.microsoft.com/office/drawing/2014/main" xmlns="" id="{4FB7650D-4B4D-C29E-5ECF-1801440813B3}"/>
+                <a16:creationId xmlns="" xmlns:a16="http://schemas.microsoft.com/office/drawing/2014/main" id="{4FB7650D-4B4D-C29E-5ECF-1801440813B3}"/>
               </a:ext>
             </a:extLst>
           </p:cNvPr>
@@ -4630,8 +4638,8 @@
         </p:nvSpPr>
         <p:spPr>
           <a:xfrm>
-            <a:off x="1803400" y="170180"/>
-            <a:ext cx="9601200" cy="916940"/>
+            <a:off x="1352939" y="161679"/>
+            <a:ext cx="10150151" cy="916940"/>
           </a:xfrm>
         </p:spPr>
         <p:txBody>
@@ -4642,16 +4650,25 @@
           <a:p>
             <a:pPr algn="ctr"/>
             <a:r>
-              <a:rPr lang="ru-RU" sz="4000" dirty="0" smtClean="0"/>
-              <a:t>Результаты тестирования</a:t>
-            </a:r>
-            <a:endParaRPr lang="ru-RU" sz="4000" dirty="0"/>
-          </a:p>
-        </p:txBody>
-      </p:sp>
-      <p:sp>
-        <p:nvSpPr>
-          <p:cNvPr id="3" name="Номер слайда 2"/>
+              <a:rPr lang="en-US" sz="4000" dirty="0">
+                <a:latin typeface="Times New Roman" pitchFamily="18" charset="0"/>
+                <a:cs typeface="Times New Roman" pitchFamily="18" charset="0"/>
+              </a:rPr>
+              <a:t>HQL </a:t>
+            </a:r>
+            <a:r>
+              <a:rPr lang="ru-RU" sz="4000" dirty="0">
+                <a:latin typeface="Times New Roman" pitchFamily="18" charset="0"/>
+                <a:cs typeface="Times New Roman" pitchFamily="18" charset="0"/>
+              </a:rPr>
+              <a:t>Запрос для получения медицинской карты по фильтру</a:t>
+            </a:r>
+          </a:p>
+        </p:txBody>
+      </p:sp>
+      <p:sp>
+        <p:nvSpPr>
+          <p:cNvPr id="4" name="Номер слайда 3"/>
           <p:cNvSpPr>
             <a:spLocks noGrp="1"/>
           </p:cNvSpPr>
@@ -4674,43 +4691,49 @@
       </p:sp>
       <p:pic>
         <p:nvPicPr>
-          <p:cNvPr id="6" name="Объект 5" descr="D:\zagryzki\kX0wOsODBhk.jpg"/>
+          <p:cNvPr id="1026" name="Picture 2" descr="https://cdn.discordapp.com/attachments/1031976390297391104/1115973465246269490/2023-06-07_145853.png"/>
           <p:cNvPicPr>
-            <a:picLocks noGrp="1"/>
+            <a:picLocks noChangeAspect="1" noChangeArrowheads="1"/>
           </p:cNvPicPr>
-          <p:nvPr>
-            <p:ph idx="1"/>
-          </p:nvPr>
+          <p:nvPr/>
         </p:nvPicPr>
-        <p:blipFill rotWithShape="1">
-          <a:blip r:embed="rId2" cstate="print">
+        <p:blipFill>
+          <a:blip r:embed="rId2">
             <a:extLst>
               <a:ext uri="{28A0092B-C50C-407E-A947-70E740481C1C}">
                 <a14:useLocalDpi xmlns:a14="http://schemas.microsoft.com/office/drawing/2010/main" val="0"/>
               </a:ext>
             </a:extLst>
           </a:blip>
-          <a:srcRect l="25076" t="27640" r="66" b="58037"/>
-          <a:stretch/>
+          <a:srcRect/>
+          <a:stretch>
+            <a:fillRect/>
+          </a:stretch>
         </p:blipFill>
         <p:spPr bwMode="auto">
           <a:xfrm>
-            <a:off x="1117601" y="2783839"/>
-            <a:ext cx="10820400" cy="1564641"/>
+            <a:off x="780727" y="2825620"/>
+            <a:ext cx="11324188" cy="1788893"/>
           </a:xfrm>
           <a:prstGeom prst="rect">
             <a:avLst/>
           </a:prstGeom>
           <a:noFill/>
-          <a:ln>
-            <a:noFill/>
-          </a:ln>
+          <a:extLst>
+            <a:ext uri="{909E8E84-426E-40DD-AFC4-6F175D3DCCD1}">
+              <a14:hiddenFill xmlns:a14="http://schemas.microsoft.com/office/drawing/2010/main">
+                <a:solidFill>
+                  <a:srgbClr val="FFFFFF"/>
+                </a:solidFill>
+              </a14:hiddenFill>
+            </a:ext>
+          </a:extLst>
         </p:spPr>
       </p:pic>
     </p:spTree>
     <p:extLst>
       <p:ext uri="{BB962C8B-B14F-4D97-AF65-F5344CB8AC3E}">
-        <p14:creationId xmlns:p14="http://schemas.microsoft.com/office/powerpoint/2010/main" val="387100891"/>
+        <p14:creationId xmlns:p14="http://schemas.microsoft.com/office/powerpoint/2010/main" val="619977534"/>
       </p:ext>
     </p:extLst>
   </p:cSld>
@@ -4749,7 +4772,7 @@
           <p:cNvPr id="2" name="Заголовок 1">
             <a:extLst>
               <a:ext uri="{FF2B5EF4-FFF2-40B4-BE49-F238E27FC236}">
-                <a16:creationId xmlns:a16="http://schemas.microsoft.com/office/drawing/2014/main" xmlns="" id="{4FB7650D-4B4D-C29E-5ECF-1801440813B3}"/>
+                <a16:creationId xmlns="" xmlns:a16="http://schemas.microsoft.com/office/drawing/2014/main" id="{4FB7650D-4B4D-C29E-5ECF-1801440813B3}"/>
               </a:ext>
             </a:extLst>
           </p:cNvPr>
@@ -4762,8 +4785,8 @@
         </p:nvSpPr>
         <p:spPr>
           <a:xfrm>
-            <a:off x="1295400" y="180340"/>
-            <a:ext cx="9601200" cy="916940"/>
+            <a:off x="1286070" y="152349"/>
+            <a:ext cx="9919996" cy="916940"/>
           </a:xfrm>
         </p:spPr>
         <p:txBody>
@@ -4774,22 +4797,44 @@
           <a:p>
             <a:pPr algn="ctr"/>
             <a:r>
-              <a:rPr lang="ru-RU" sz="4000" dirty="0" smtClean="0">
+              <a:rPr lang="ru-RU" sz="4000" dirty="0">
                 <a:latin typeface="Times New Roman" pitchFamily="18" charset="0"/>
                 <a:cs typeface="Times New Roman" pitchFamily="18" charset="0"/>
               </a:rPr>
-              <a:t>Время ответа</a:t>
-            </a:r>
-            <a:endParaRPr lang="ru-RU" sz="4000" dirty="0">
-              <a:latin typeface="Times New Roman" pitchFamily="18" charset="0"/>
-              <a:cs typeface="Times New Roman" pitchFamily="18" charset="0"/>
-            </a:endParaRPr>
-          </a:p>
-        </p:txBody>
-      </p:sp>
-      <p:sp>
-        <p:nvSpPr>
-          <p:cNvPr id="3" name="Номер слайда 2"/>
+              <a:t>Тест план</a:t>
+            </a:r>
+          </a:p>
+        </p:txBody>
+      </p:sp>
+      <p:pic>
+        <p:nvPicPr>
+          <p:cNvPr id="5" name="Объект 4"/>
+          <p:cNvPicPr>
+            <a:picLocks noGrp="1"/>
+          </p:cNvPicPr>
+          <p:nvPr>
+            <p:ph idx="1"/>
+          </p:nvPr>
+        </p:nvPicPr>
+        <p:blipFill>
+          <a:blip r:embed="rId2"/>
+          <a:stretch>
+            <a:fillRect/>
+          </a:stretch>
+        </p:blipFill>
+        <p:spPr>
+          <a:xfrm>
+            <a:off x="4175760" y="975361"/>
+            <a:ext cx="4226560" cy="5364480"/>
+          </a:xfrm>
+          <a:prstGeom prst="rect">
+            <a:avLst/>
+          </a:prstGeom>
+        </p:spPr>
+      </p:pic>
+      <p:sp>
+        <p:nvSpPr>
+          <p:cNvPr id="4" name="Номер слайда 3"/>
           <p:cNvSpPr>
             <a:spLocks noGrp="1"/>
           </p:cNvSpPr>
@@ -4810,50 +4855,10 @@
           </a:p>
         </p:txBody>
       </p:sp>
-      <p:pic>
-        <p:nvPicPr>
-          <p:cNvPr id="6" name="Объект 5" descr="D:\zagryzki\o9NmPHinP_k.jpg"/>
-          <p:cNvPicPr>
-            <a:picLocks noGrp="1"/>
-          </p:cNvPicPr>
-          <p:nvPr>
-            <p:ph idx="1"/>
-          </p:nvPr>
-        </p:nvPicPr>
-        <p:blipFill rotWithShape="1">
-          <a:blip r:embed="rId2" cstate="print">
-            <a:extLst>
-              <a:ext uri="{28A0092B-C50C-407E-A947-70E740481C1C}">
-                <a14:useLocalDpi xmlns:a14="http://schemas.microsoft.com/office/drawing/2010/main" val="0"/>
-              </a:ext>
-            </a:extLst>
-          </a:blip>
-          <a:srcRect l="25433" t="30442"/>
-          <a:stretch/>
-        </p:blipFill>
-        <p:spPr bwMode="auto">
-          <a:xfrm>
-            <a:off x="1563106" y="853244"/>
-            <a:ext cx="9125213" cy="5506916"/>
-          </a:xfrm>
-          <a:prstGeom prst="rect">
-            <a:avLst/>
-          </a:prstGeom>
-          <a:noFill/>
-          <a:ln>
-            <a:noFill/>
-          </a:ln>
-          <a:extLst>
-            <a:ext uri="{53640926-AAD7-44D8-BBD7-CCE9431645EC}">
-              <a14:shadowObscured xmlns:a14="http://schemas.microsoft.com/office/drawing/2010/main"/>
-            </a:ext>
-          </a:extLst>
-        </p:spPr>
-      </p:pic>
     </p:spTree>
     <p:extLst>
       <p:ext uri="{BB962C8B-B14F-4D97-AF65-F5344CB8AC3E}">
-        <p14:creationId xmlns:p14="http://schemas.microsoft.com/office/powerpoint/2010/main" val="230932553"/>
+        <p14:creationId xmlns:p14="http://schemas.microsoft.com/office/powerpoint/2010/main" val="3854768536"/>
       </p:ext>
     </p:extLst>
   </p:cSld>
@@ -4892,7 +4897,7 @@
           <p:cNvPr id="2" name="Заголовок 1">
             <a:extLst>
               <a:ext uri="{FF2B5EF4-FFF2-40B4-BE49-F238E27FC236}">
-                <a16:creationId xmlns:a16="http://schemas.microsoft.com/office/drawing/2014/main" xmlns="" id="{4FB7650D-4B4D-C29E-5ECF-1801440813B3}"/>
+                <a16:creationId xmlns="" xmlns:a16="http://schemas.microsoft.com/office/drawing/2014/main" id="{4FB7650D-4B4D-C29E-5ECF-1801440813B3}"/>
               </a:ext>
             </a:extLst>
           </p:cNvPr>
@@ -4905,7 +4910,7 @@
         </p:nvSpPr>
         <p:spPr>
           <a:xfrm>
-            <a:off x="1386840" y="88900"/>
+            <a:off x="1803400" y="170180"/>
             <a:ext cx="9601200" cy="916940"/>
           </a:xfrm>
         </p:spPr>
@@ -4917,16 +4922,9 @@
           <a:p>
             <a:pPr algn="ctr"/>
             <a:r>
-              <a:rPr lang="ru-RU" sz="4000" dirty="0" smtClean="0">
-                <a:latin typeface="Times New Roman" pitchFamily="18" charset="0"/>
-                <a:cs typeface="Times New Roman" pitchFamily="18" charset="0"/>
-              </a:rPr>
-              <a:t>Проблемы, выявленные при тестировании</a:t>
-            </a:r>
-            <a:endParaRPr lang="ru-RU" sz="4000" dirty="0">
-              <a:latin typeface="Times New Roman" pitchFamily="18" charset="0"/>
-              <a:cs typeface="Times New Roman" pitchFamily="18" charset="0"/>
-            </a:endParaRPr>
+              <a:rPr lang="ru-RU" sz="4000" dirty="0"/>
+              <a:t>Результаты тестирования</a:t>
+            </a:r>
           </a:p>
         </p:txBody>
       </p:sp>
@@ -4955,13 +4953,17 @@
       </p:sp>
       <p:pic>
         <p:nvPicPr>
-          <p:cNvPr id="6" name="Объект 5" descr="D:\zagryzki\V1AC7Sn4Apw.jpg"/>
+          <p:cNvPr id="4" name="Рисунок 3">
+            <a:extLst>
+              <a:ext uri="{FF2B5EF4-FFF2-40B4-BE49-F238E27FC236}">
+                <a16:creationId xmlns="" xmlns:a16="http://schemas.microsoft.com/office/drawing/2014/main" id="{7290EF19-A7A2-3029-DA30-BF11D1BBFCD7}"/>
+              </a:ext>
+            </a:extLst>
+          </p:cNvPr>
           <p:cNvPicPr>
-            <a:picLocks noGrp="1"/>
+            <a:picLocks noChangeAspect="1"/>
           </p:cNvPicPr>
-          <p:nvPr>
-            <p:ph idx="1"/>
-          </p:nvPr>
+          <p:nvPr/>
         </p:nvPicPr>
         <p:blipFill rotWithShape="1">
           <a:blip r:embed="rId2" cstate="print">
@@ -4971,13 +4973,13 @@
               </a:ext>
             </a:extLst>
           </a:blip>
-          <a:srcRect l="24687" t="32629" r="9294"/>
+          <a:srcRect l="25371" t="21474" r="-455" b="53147"/>
           <a:stretch/>
         </p:blipFill>
         <p:spPr bwMode="auto">
           <a:xfrm>
-            <a:off x="1991360" y="731520"/>
-            <a:ext cx="8229600" cy="6126480"/>
+            <a:off x="789715" y="2295832"/>
+            <a:ext cx="11366097" cy="2061564"/>
           </a:xfrm>
           <a:prstGeom prst="rect">
             <a:avLst/>
@@ -4991,7 +4993,7 @@
     </p:spTree>
     <p:extLst>
       <p:ext uri="{BB962C8B-B14F-4D97-AF65-F5344CB8AC3E}">
-        <p14:creationId xmlns:p14="http://schemas.microsoft.com/office/powerpoint/2010/main" val="196244068"/>
+        <p14:creationId xmlns:p14="http://schemas.microsoft.com/office/powerpoint/2010/main" val="387100891"/>
       </p:ext>
     </p:extLst>
   </p:cSld>
@@ -5030,7 +5032,7 @@
           <p:cNvPr id="2" name="Заголовок 1">
             <a:extLst>
               <a:ext uri="{FF2B5EF4-FFF2-40B4-BE49-F238E27FC236}">
-                <a16:creationId xmlns:a16="http://schemas.microsoft.com/office/drawing/2014/main" xmlns="" id="{4FB7650D-4B4D-C29E-5ECF-1801440813B3}"/>
+                <a16:creationId xmlns="" xmlns:a16="http://schemas.microsoft.com/office/drawing/2014/main" id="{4FB7650D-4B4D-C29E-5ECF-1801440813B3}"/>
               </a:ext>
             </a:extLst>
           </p:cNvPr>
@@ -5043,8 +5045,8 @@
         </p:nvSpPr>
         <p:spPr>
           <a:xfrm>
-            <a:off x="1293949" y="99060"/>
-            <a:ext cx="10003971" cy="916940"/>
+            <a:off x="1295400" y="180340"/>
+            <a:ext cx="9601200" cy="916940"/>
           </a:xfrm>
         </p:spPr>
         <p:txBody>
@@ -5055,16 +5057,12 @@
           <a:p>
             <a:pPr algn="ctr"/>
             <a:r>
-              <a:rPr lang="ru-RU" sz="4000" dirty="0" smtClean="0">
+              <a:rPr lang="ru-RU" sz="4000" dirty="0">
                 <a:latin typeface="Times New Roman" pitchFamily="18" charset="0"/>
                 <a:cs typeface="Times New Roman" pitchFamily="18" charset="0"/>
               </a:rPr>
-              <a:t>Обработка ошибок</a:t>
-            </a:r>
-            <a:endParaRPr lang="ru-RU" sz="4000" dirty="0">
-              <a:latin typeface="Times New Roman" pitchFamily="18" charset="0"/>
-              <a:cs typeface="Times New Roman" pitchFamily="18" charset="0"/>
-            </a:endParaRPr>
+              <a:t>Время ответа</a:t>
+            </a:r>
           </a:p>
         </p:txBody>
       </p:sp>
@@ -5093,7 +5091,280 @@
       </p:sp>
       <p:pic>
         <p:nvPicPr>
-          <p:cNvPr id="7171" name="Picture 3"/>
+          <p:cNvPr id="6" name="Объект 5" descr="D:\zagryzki\o9NmPHinP_k.jpg"/>
+          <p:cNvPicPr>
+            <a:picLocks noGrp="1"/>
+          </p:cNvPicPr>
+          <p:nvPr>
+            <p:ph idx="1"/>
+          </p:nvPr>
+        </p:nvPicPr>
+        <p:blipFill rotWithShape="1">
+          <a:blip r:embed="rId2" cstate="print">
+            <a:extLst>
+              <a:ext uri="{28A0092B-C50C-407E-A947-70E740481C1C}">
+                <a14:useLocalDpi xmlns:a14="http://schemas.microsoft.com/office/drawing/2010/main" val="0"/>
+              </a:ext>
+            </a:extLst>
+          </a:blip>
+          <a:srcRect l="25433" t="30442"/>
+          <a:stretch/>
+        </p:blipFill>
+        <p:spPr bwMode="auto">
+          <a:xfrm>
+            <a:off x="1563106" y="853244"/>
+            <a:ext cx="9125213" cy="5506916"/>
+          </a:xfrm>
+          <a:prstGeom prst="rect">
+            <a:avLst/>
+          </a:prstGeom>
+          <a:noFill/>
+          <a:ln>
+            <a:noFill/>
+          </a:ln>
+          <a:extLst>
+            <a:ext uri="{53640926-AAD7-44D8-BBD7-CCE9431645EC}">
+              <a14:shadowObscured xmlns:a14="http://schemas.microsoft.com/office/drawing/2010/main"/>
+            </a:ext>
+          </a:extLst>
+        </p:spPr>
+      </p:pic>
+    </p:spTree>
+    <p:extLst>
+      <p:ext uri="{BB962C8B-B14F-4D97-AF65-F5344CB8AC3E}">
+        <p14:creationId xmlns:p14="http://schemas.microsoft.com/office/powerpoint/2010/main" val="230932553"/>
+      </p:ext>
+    </p:extLst>
+  </p:cSld>
+  <p:clrMapOvr>
+    <a:masterClrMapping/>
+  </p:clrMapOvr>
+  <p:timing>
+    <p:tnLst>
+      <p:par>
+        <p:cTn id="1" dur="indefinite" restart="never" nodeType="tmRoot"/>
+      </p:par>
+    </p:tnLst>
+  </p:timing>
+</p:sld>
+</file>
+
+<file path=ppt/slides/slide14.xml><?xml version="1.0" encoding="utf-8"?>
+<p:sld xmlns:a="http://schemas.openxmlformats.org/drawingml/2006/main" xmlns:r="http://schemas.openxmlformats.org/officeDocument/2006/relationships" xmlns:p="http://schemas.openxmlformats.org/presentationml/2006/main">
+  <p:cSld>
+    <p:spTree>
+      <p:nvGrpSpPr>
+        <p:cNvPr id="1" name=""/>
+        <p:cNvGrpSpPr/>
+        <p:nvPr/>
+      </p:nvGrpSpPr>
+      <p:grpSpPr>
+        <a:xfrm>
+          <a:off x="0" y="0"/>
+          <a:ext cx="0" cy="0"/>
+          <a:chOff x="0" y="0"/>
+          <a:chExt cx="0" cy="0"/>
+        </a:xfrm>
+      </p:grpSpPr>
+      <p:sp>
+        <p:nvSpPr>
+          <p:cNvPr id="2" name="Заголовок 1">
+            <a:extLst>
+              <a:ext uri="{FF2B5EF4-FFF2-40B4-BE49-F238E27FC236}">
+                <a16:creationId xmlns="" xmlns:a16="http://schemas.microsoft.com/office/drawing/2014/main" id="{4FB7650D-4B4D-C29E-5ECF-1801440813B3}"/>
+              </a:ext>
+            </a:extLst>
+          </p:cNvPr>
+          <p:cNvSpPr>
+            <a:spLocks noGrp="1"/>
+          </p:cNvSpPr>
+          <p:nvPr>
+            <p:ph type="title"/>
+          </p:nvPr>
+        </p:nvSpPr>
+        <p:spPr>
+          <a:xfrm>
+            <a:off x="1386840" y="88900"/>
+            <a:ext cx="9601200" cy="916940"/>
+          </a:xfrm>
+        </p:spPr>
+        <p:txBody>
+          <a:bodyPr>
+            <a:noAutofit/>
+          </a:bodyPr>
+          <a:lstStyle/>
+          <a:p>
+            <a:pPr algn="ctr"/>
+            <a:r>
+              <a:rPr lang="ru-RU" sz="4000" dirty="0">
+                <a:latin typeface="Times New Roman" pitchFamily="18" charset="0"/>
+                <a:cs typeface="Times New Roman" pitchFamily="18" charset="0"/>
+              </a:rPr>
+              <a:t>Проблемы, выявленные при тестировании</a:t>
+            </a:r>
+          </a:p>
+        </p:txBody>
+      </p:sp>
+      <p:sp>
+        <p:nvSpPr>
+          <p:cNvPr id="3" name="Номер слайда 2"/>
+          <p:cNvSpPr>
+            <a:spLocks noGrp="1"/>
+          </p:cNvSpPr>
+          <p:nvPr>
+            <p:ph type="sldNum" sz="quarter" idx="12"/>
+          </p:nvPr>
+        </p:nvSpPr>
+        <p:spPr/>
+        <p:txBody>
+          <a:bodyPr/>
+          <a:lstStyle/>
+          <a:p>
+            <a:fld id="{97701FBD-09DE-4BDF-B53C-23B184A2051C}" type="slidenum">
+              <a:rPr lang="ru-RU" smtClean="0"/>
+              <a:t>14</a:t>
+            </a:fld>
+            <a:endParaRPr lang="ru-RU"/>
+          </a:p>
+        </p:txBody>
+      </p:sp>
+      <p:pic>
+        <p:nvPicPr>
+          <p:cNvPr id="6" name="Объект 5" descr="D:\zagryzki\V1AC7Sn4Apw.jpg"/>
+          <p:cNvPicPr>
+            <a:picLocks noGrp="1"/>
+          </p:cNvPicPr>
+          <p:nvPr>
+            <p:ph idx="1"/>
+          </p:nvPr>
+        </p:nvPicPr>
+        <p:blipFill rotWithShape="1">
+          <a:blip r:embed="rId2" cstate="print">
+            <a:extLst>
+              <a:ext uri="{28A0092B-C50C-407E-A947-70E740481C1C}">
+                <a14:useLocalDpi xmlns:a14="http://schemas.microsoft.com/office/drawing/2010/main" val="0"/>
+              </a:ext>
+            </a:extLst>
+          </a:blip>
+          <a:srcRect l="24687" t="32629" r="9294"/>
+          <a:stretch/>
+        </p:blipFill>
+        <p:spPr bwMode="auto">
+          <a:xfrm>
+            <a:off x="1666240" y="1123573"/>
+            <a:ext cx="8859520" cy="5212080"/>
+          </a:xfrm>
+          <a:prstGeom prst="rect">
+            <a:avLst/>
+          </a:prstGeom>
+          <a:noFill/>
+          <a:ln>
+            <a:noFill/>
+          </a:ln>
+        </p:spPr>
+      </p:pic>
+    </p:spTree>
+    <p:extLst>
+      <p:ext uri="{BB962C8B-B14F-4D97-AF65-F5344CB8AC3E}">
+        <p14:creationId xmlns:p14="http://schemas.microsoft.com/office/powerpoint/2010/main" val="196244068"/>
+      </p:ext>
+    </p:extLst>
+  </p:cSld>
+  <p:clrMapOvr>
+    <a:masterClrMapping/>
+  </p:clrMapOvr>
+  <p:timing>
+    <p:tnLst>
+      <p:par>
+        <p:cTn id="1" dur="indefinite" restart="never" nodeType="tmRoot"/>
+      </p:par>
+    </p:tnLst>
+  </p:timing>
+</p:sld>
+</file>
+
+<file path=ppt/slides/slide15.xml><?xml version="1.0" encoding="utf-8"?>
+<p:sld xmlns:a="http://schemas.openxmlformats.org/drawingml/2006/main" xmlns:r="http://schemas.openxmlformats.org/officeDocument/2006/relationships" xmlns:p="http://schemas.openxmlformats.org/presentationml/2006/main">
+  <p:cSld>
+    <p:spTree>
+      <p:nvGrpSpPr>
+        <p:cNvPr id="1" name=""/>
+        <p:cNvGrpSpPr/>
+        <p:nvPr/>
+      </p:nvGrpSpPr>
+      <p:grpSpPr>
+        <a:xfrm>
+          <a:off x="0" y="0"/>
+          <a:ext cx="0" cy="0"/>
+          <a:chOff x="0" y="0"/>
+          <a:chExt cx="0" cy="0"/>
+        </a:xfrm>
+      </p:grpSpPr>
+      <p:sp>
+        <p:nvSpPr>
+          <p:cNvPr id="2" name="Заголовок 1">
+            <a:extLst>
+              <a:ext uri="{FF2B5EF4-FFF2-40B4-BE49-F238E27FC236}">
+                <a16:creationId xmlns="" xmlns:a16="http://schemas.microsoft.com/office/drawing/2014/main" id="{4FB7650D-4B4D-C29E-5ECF-1801440813B3}"/>
+              </a:ext>
+            </a:extLst>
+          </p:cNvPr>
+          <p:cNvSpPr>
+            <a:spLocks noGrp="1"/>
+          </p:cNvSpPr>
+          <p:nvPr>
+            <p:ph type="title"/>
+          </p:nvPr>
+        </p:nvSpPr>
+        <p:spPr>
+          <a:xfrm>
+            <a:off x="1293949" y="99060"/>
+            <a:ext cx="10003971" cy="916940"/>
+          </a:xfrm>
+        </p:spPr>
+        <p:txBody>
+          <a:bodyPr>
+            <a:noAutofit/>
+          </a:bodyPr>
+          <a:lstStyle/>
+          <a:p>
+            <a:pPr algn="ctr"/>
+            <a:r>
+              <a:rPr lang="ru-RU" sz="4000" dirty="0">
+                <a:latin typeface="Times New Roman" pitchFamily="18" charset="0"/>
+                <a:cs typeface="Times New Roman" pitchFamily="18" charset="0"/>
+              </a:rPr>
+              <a:t>Обработка ошибок</a:t>
+            </a:r>
+          </a:p>
+        </p:txBody>
+      </p:sp>
+      <p:sp>
+        <p:nvSpPr>
+          <p:cNvPr id="3" name="Номер слайда 2"/>
+          <p:cNvSpPr>
+            <a:spLocks noGrp="1"/>
+          </p:cNvSpPr>
+          <p:nvPr>
+            <p:ph type="sldNum" sz="quarter" idx="12"/>
+          </p:nvPr>
+        </p:nvSpPr>
+        <p:spPr/>
+        <p:txBody>
+          <a:bodyPr/>
+          <a:lstStyle/>
+          <a:p>
+            <a:fld id="{97701FBD-09DE-4BDF-B53C-23B184A2051C}" type="slidenum">
+              <a:rPr lang="ru-RU" smtClean="0"/>
+              <a:t>15</a:t>
+            </a:fld>
+            <a:endParaRPr lang="ru-RU"/>
+          </a:p>
+        </p:txBody>
+      </p:sp>
+      <p:pic>
+        <p:nvPicPr>
+          <p:cNvPr id="1026" name="Picture 2"/>
           <p:cNvPicPr>
             <a:picLocks noChangeAspect="1" noChangeArrowheads="1"/>
           </p:cNvPicPr>
@@ -5114,8 +5385,8 @@
         </p:blipFill>
         <p:spPr bwMode="auto">
           <a:xfrm>
-            <a:off x="1300480" y="834708"/>
-            <a:ext cx="9997440" cy="5610060"/>
+            <a:off x="1214439" y="747355"/>
+            <a:ext cx="9842337" cy="5749407"/>
           </a:xfrm>
           <a:prstGeom prst="rect">
             <a:avLst/>
@@ -5175,7 +5446,7 @@
 </p:sld>
 </file>
 
-<file path=ppt/slides/slide14.xml><?xml version="1.0" encoding="utf-8"?>
+<file path=ppt/slides/slide16.xml><?xml version="1.0" encoding="utf-8"?>
 <p:sld xmlns:a="http://schemas.openxmlformats.org/drawingml/2006/main" xmlns:r="http://schemas.openxmlformats.org/officeDocument/2006/relationships" xmlns:p="http://schemas.openxmlformats.org/presentationml/2006/main">
   <p:cSld>
     <p:spTree>
@@ -5197,7 +5468,7 @@
           <p:cNvPr id="2" name="Заголовок 1">
             <a:extLst>
               <a:ext uri="{FF2B5EF4-FFF2-40B4-BE49-F238E27FC236}">
-                <a16:creationId xmlns:a16="http://schemas.microsoft.com/office/drawing/2014/main" xmlns="" id="{298E6272-2F88-31CE-C51B-FEC2CE5125E3}"/>
+                <a16:creationId xmlns="" xmlns:a16="http://schemas.microsoft.com/office/drawing/2014/main" id="{298E6272-2F88-31CE-C51B-FEC2CE5125E3}"/>
               </a:ext>
             </a:extLst>
           </p:cNvPr>
@@ -5222,21 +5493,21 @@
           <a:p>
             <a:pPr algn="ctr"/>
             <a:r>
-              <a:rPr lang="ru-RU" sz="4000" dirty="0" err="1" smtClean="0">
+              <a:rPr lang="ru-RU" sz="4000" dirty="0" err="1">
                 <a:latin typeface="Times New Roman" pitchFamily="18" charset="0"/>
                 <a:cs typeface="Times New Roman" pitchFamily="18" charset="0"/>
               </a:rPr>
               <a:t>Кастомная</a:t>
             </a:r>
             <a:r>
-              <a:rPr lang="ru-RU" sz="4000" dirty="0" smtClean="0">
+              <a:rPr lang="ru-RU" sz="4000" dirty="0">
                 <a:latin typeface="Times New Roman" pitchFamily="18" charset="0"/>
                 <a:cs typeface="Times New Roman" pitchFamily="18" charset="0"/>
               </a:rPr>
               <a:t> </a:t>
             </a:r>
             <a:r>
-              <a:rPr lang="ru-RU" sz="4000" dirty="0" err="1" smtClean="0">
+              <a:rPr lang="ru-RU" sz="4000" dirty="0" err="1">
                 <a:latin typeface="Times New Roman" pitchFamily="18" charset="0"/>
                 <a:cs typeface="Times New Roman" pitchFamily="18" charset="0"/>
               </a:rPr>
@@ -5266,7 +5537,7 @@
           <a:p>
             <a:fld id="{97701FBD-09DE-4BDF-B53C-23B184A2051C}" type="slidenum">
               <a:rPr lang="ru-RU" smtClean="0"/>
-              <a:t>14</a:t>
+              <a:t>16</a:t>
             </a:fld>
             <a:endParaRPr lang="ru-RU"/>
           </a:p>
@@ -5474,10 +5745,17 @@
   <p:clrMapOvr>
     <a:masterClrMapping/>
   </p:clrMapOvr>
+  <p:timing>
+    <p:tnLst>
+      <p:par>
+        <p:cTn id="1" dur="indefinite" restart="never" nodeType="tmRoot"/>
+      </p:par>
+    </p:tnLst>
+  </p:timing>
 </p:sld>
 </file>
 
-<file path=ppt/slides/slide15.xml><?xml version="1.0" encoding="utf-8"?>
+<file path=ppt/slides/slide17.xml><?xml version="1.0" encoding="utf-8"?>
 <p:sld xmlns:a="http://schemas.openxmlformats.org/drawingml/2006/main" xmlns:r="http://schemas.openxmlformats.org/officeDocument/2006/relationships" xmlns:p="http://schemas.openxmlformats.org/presentationml/2006/main">
   <p:cSld>
     <p:spTree>
@@ -5494,12 +5772,53 @@
           <a:chExt cx="0" cy="0"/>
         </a:xfrm>
       </p:grpSpPr>
+      <p:pic>
+        <p:nvPicPr>
+          <p:cNvPr id="2050" name="Picture 2" descr="https://cdn.discordapp.com/attachments/1031976390297391104/1115978717525721201/d25b6fb1ce3b42a7.bmp"/>
+          <p:cNvPicPr>
+            <a:picLocks noChangeAspect="1" noChangeArrowheads="1"/>
+          </p:cNvPicPr>
+          <p:nvPr/>
+        </p:nvPicPr>
+        <p:blipFill>
+          <a:blip r:embed="rId2" cstate="print">
+            <a:extLst>
+              <a:ext uri="{28A0092B-C50C-407E-A947-70E740481C1C}">
+                <a14:useLocalDpi xmlns:a14="http://schemas.microsoft.com/office/drawing/2010/main" val="0"/>
+              </a:ext>
+            </a:extLst>
+          </a:blip>
+          <a:srcRect/>
+          <a:stretch>
+            <a:fillRect/>
+          </a:stretch>
+        </p:blipFill>
+        <p:spPr bwMode="auto">
+          <a:xfrm>
+            <a:off x="5624796" y="689772"/>
+            <a:ext cx="6370974" cy="3453022"/>
+          </a:xfrm>
+          <a:prstGeom prst="rect">
+            <a:avLst/>
+          </a:prstGeom>
+          <a:noFill/>
+          <a:extLst>
+            <a:ext uri="{909E8E84-426E-40DD-AFC4-6F175D3DCCD1}">
+              <a14:hiddenFill xmlns:a14="http://schemas.microsoft.com/office/drawing/2010/main">
+                <a:solidFill>
+                  <a:srgbClr val="FFFFFF"/>
+                </a:solidFill>
+              </a14:hiddenFill>
+            </a:ext>
+          </a:extLst>
+        </p:spPr>
+      </p:pic>
       <p:sp>
         <p:nvSpPr>
           <p:cNvPr id="2" name="Заголовок 1">
             <a:extLst>
               <a:ext uri="{FF2B5EF4-FFF2-40B4-BE49-F238E27FC236}">
-                <a16:creationId xmlns:a16="http://schemas.microsoft.com/office/drawing/2014/main" xmlns="" id="{741DB593-C3BC-4B43-8E23-BE456D774413}"/>
+                <a16:creationId xmlns="" xmlns:a16="http://schemas.microsoft.com/office/drawing/2014/main" id="{741DB593-C3BC-4B43-8E23-BE456D774413}"/>
               </a:ext>
             </a:extLst>
           </p:cNvPr>
@@ -5524,10 +5843,9 @@
           <a:p>
             <a:pPr algn="ctr"/>
             <a:r>
-              <a:rPr lang="ru-RU" sz="3200" dirty="0" smtClean="0"/>
+              <a:rPr lang="ru-RU" sz="3200" dirty="0"/>
               <a:t>Демонстрация работы</a:t>
             </a:r>
-            <a:endParaRPr lang="ru-RU" sz="3200" dirty="0"/>
           </a:p>
         </p:txBody>
       </p:sp>
@@ -5548,7 +5866,7 @@
           <a:p>
             <a:fld id="{97701FBD-09DE-4BDF-B53C-23B184A2051C}" type="slidenum">
               <a:rPr lang="ru-RU" smtClean="0"/>
-              <a:t>15</a:t>
+              <a:t>17</a:t>
             </a:fld>
             <a:endParaRPr lang="ru-RU"/>
           </a:p>
@@ -5563,7 +5881,7 @@
           <p:nvPr/>
         </p:nvPicPr>
         <p:blipFill>
-          <a:blip r:embed="rId2" cstate="print">
+          <a:blip r:embed="rId3" cstate="print">
             <a:extLst>
               <a:ext uri="{28A0092B-C50C-407E-A947-70E740481C1C}">
                 <a14:useLocalDpi xmlns:a14="http://schemas.microsoft.com/office/drawing/2010/main" val="0"/>
@@ -5620,14 +5938,14 @@
       </p:pic>
       <p:pic>
         <p:nvPicPr>
-          <p:cNvPr id="9219" name="Picture 3"/>
+          <p:cNvPr id="9220" name="Picture 4"/>
           <p:cNvPicPr>
             <a:picLocks noChangeAspect="1" noChangeArrowheads="1"/>
           </p:cNvPicPr>
           <p:nvPr/>
         </p:nvPicPr>
         <p:blipFill>
-          <a:blip r:embed="rId3" cstate="print">
+          <a:blip r:embed="rId4" cstate="print">
             <a:extLst>
               <a:ext uri="{28A0092B-C50C-407E-A947-70E740481C1C}">
                 <a14:useLocalDpi xmlns:a14="http://schemas.microsoft.com/office/drawing/2010/main" val="0"/>
@@ -5641,8 +5959,8 @@
         </p:blipFill>
         <p:spPr bwMode="auto">
           <a:xfrm>
-            <a:off x="5592763" y="634365"/>
-            <a:ext cx="6355397" cy="2991761"/>
+            <a:off x="5624796" y="3779520"/>
+            <a:ext cx="6323364" cy="2926080"/>
           </a:xfrm>
           <a:prstGeom prst="rect">
             <a:avLst/>
@@ -5682,70 +6000,6 @@
           </a:extLst>
         </p:spPr>
       </p:pic>
-      <p:pic>
-        <p:nvPicPr>
-          <p:cNvPr id="9220" name="Picture 4"/>
-          <p:cNvPicPr>
-            <a:picLocks noChangeAspect="1" noChangeArrowheads="1"/>
-          </p:cNvPicPr>
-          <p:nvPr/>
-        </p:nvPicPr>
-        <p:blipFill>
-          <a:blip r:embed="rId4" cstate="print">
-            <a:extLst>
-              <a:ext uri="{28A0092B-C50C-407E-A947-70E740481C1C}">
-                <a14:useLocalDpi xmlns:a14="http://schemas.microsoft.com/office/drawing/2010/main" val="0"/>
-              </a:ext>
-            </a:extLst>
-          </a:blip>
-          <a:srcRect/>
-          <a:stretch>
-            <a:fillRect/>
-          </a:stretch>
-        </p:blipFill>
-        <p:spPr bwMode="auto">
-          <a:xfrm>
-            <a:off x="5624796" y="3779520"/>
-            <a:ext cx="6323364" cy="2926080"/>
-          </a:xfrm>
-          <a:prstGeom prst="rect">
-            <a:avLst/>
-          </a:prstGeom>
-          <a:noFill/>
-          <a:ln>
-            <a:noFill/>
-          </a:ln>
-          <a:effectLst/>
-          <a:extLst>
-            <a:ext uri="{909E8E84-426E-40DD-AFC4-6F175D3DCCD1}">
-              <a14:hiddenFill xmlns:a14="http://schemas.microsoft.com/office/drawing/2010/main">
-                <a:solidFill>
-                  <a:schemeClr val="accent1"/>
-                </a:solidFill>
-              </a14:hiddenFill>
-            </a:ext>
-            <a:ext uri="{91240B29-F687-4F45-9708-019B960494DF}">
-              <a14:hiddenLine xmlns:a14="http://schemas.microsoft.com/office/drawing/2010/main" w="9525">
-                <a:solidFill>
-                  <a:schemeClr val="tx1"/>
-                </a:solidFill>
-                <a:miter lim="800000"/>
-                <a:headEnd/>
-                <a:tailEnd/>
-              </a14:hiddenLine>
-            </a:ext>
-            <a:ext uri="{AF507438-7753-43E0-B8FC-AC1667EBCBE1}">
-              <a14:hiddenEffects xmlns:a14="http://schemas.microsoft.com/office/drawing/2010/main">
-                <a:effectLst>
-                  <a:outerShdw dist="35921" dir="2700000" algn="ctr" rotWithShape="0">
-                    <a:schemeClr val="bg2"/>
-                  </a:outerShdw>
-                </a:effectLst>
-              </a14:hiddenEffects>
-            </a:ext>
-          </a:extLst>
-        </p:spPr>
-      </p:pic>
     </p:spTree>
     <p:extLst>
       <p:ext uri="{BB962C8B-B14F-4D97-AF65-F5344CB8AC3E}">
@@ -5756,10 +6010,17 @@
   <p:clrMapOvr>
     <a:masterClrMapping/>
   </p:clrMapOvr>
+  <p:timing>
+    <p:tnLst>
+      <p:par>
+        <p:cTn id="1" dur="indefinite" restart="never" nodeType="tmRoot"/>
+      </p:par>
+    </p:tnLst>
+  </p:timing>
 </p:sld>
 </file>
 
-<file path=ppt/slides/slide16.xml><?xml version="1.0" encoding="utf-8"?>
+<file path=ppt/slides/slide18.xml><?xml version="1.0" encoding="utf-8"?>
 <p:sld xmlns:a="http://schemas.openxmlformats.org/drawingml/2006/main" xmlns:r="http://schemas.openxmlformats.org/officeDocument/2006/relationships" xmlns:p="http://schemas.openxmlformats.org/presentationml/2006/main">
   <p:cSld>
     <p:spTree>
@@ -5781,7 +6042,7 @@
           <p:cNvPr id="2" name="Заголовок 1">
             <a:extLst>
               <a:ext uri="{FF2B5EF4-FFF2-40B4-BE49-F238E27FC236}">
-                <a16:creationId xmlns:a16="http://schemas.microsoft.com/office/drawing/2014/main" xmlns="" id="{36F55DD9-CAA4-EED6-C531-8A0313B1616B}"/>
+                <a16:creationId xmlns="" xmlns:a16="http://schemas.microsoft.com/office/drawing/2014/main" id="{36F55DD9-CAA4-EED6-C531-8A0313B1616B}"/>
               </a:ext>
             </a:extLst>
           </p:cNvPr>
@@ -5826,7 +6087,7 @@
           <a:p>
             <a:fld id="{97701FBD-09DE-4BDF-B53C-23B184A2051C}" type="slidenum">
               <a:rPr lang="ru-RU" smtClean="0"/>
-              <a:t>16</a:t>
+              <a:t>18</a:t>
             </a:fld>
             <a:endParaRPr lang="ru-RU"/>
           </a:p>
@@ -5842,6 +6103,13 @@
   <p:clrMapOvr>
     <a:masterClrMapping/>
   </p:clrMapOvr>
+  <p:timing>
+    <p:tnLst>
+      <p:par>
+        <p:cTn id="1" dur="indefinite" restart="never" nodeType="tmRoot"/>
+      </p:par>
+    </p:tnLst>
+  </p:timing>
 </p:sld>
 </file>
 
@@ -5867,7 +6135,7 @@
           <p:cNvPr id="2" name="Заголовок 1">
             <a:extLst>
               <a:ext uri="{FF2B5EF4-FFF2-40B4-BE49-F238E27FC236}">
-                <a16:creationId xmlns:a16="http://schemas.microsoft.com/office/drawing/2014/main" xmlns="" id="{E5098CEA-47C9-5818-3D89-2573730D1698}"/>
+                <a16:creationId xmlns="" xmlns:a16="http://schemas.microsoft.com/office/drawing/2014/main" id="{C9AFA4D5-F016-9065-B2B7-76969D8B5E3E}"/>
               </a:ext>
             </a:extLst>
           </p:cNvPr>
@@ -5878,10 +6146,39 @@
             <p:ph type="title"/>
           </p:nvPr>
         </p:nvSpPr>
+        <p:spPr/>
+        <p:txBody>
+          <a:bodyPr/>
+          <a:lstStyle/>
+          <a:p>
+            <a:pPr algn="ctr"/>
+            <a:r>
+              <a:rPr lang="ru-RU" dirty="0"/>
+              <a:t>Цель проекта</a:t>
+            </a:r>
+          </a:p>
+        </p:txBody>
+      </p:sp>
+      <p:sp>
+        <p:nvSpPr>
+          <p:cNvPr id="3" name="Объект 2">
+            <a:extLst>
+              <a:ext uri="{FF2B5EF4-FFF2-40B4-BE49-F238E27FC236}">
+                <a16:creationId xmlns="" xmlns:a16="http://schemas.microsoft.com/office/drawing/2014/main" id="{B6D9E93B-D88E-530E-A848-B4A92E737901}"/>
+              </a:ext>
+            </a:extLst>
+          </p:cNvPr>
+          <p:cNvSpPr>
+            <a:spLocks noGrp="1"/>
+          </p:cNvSpPr>
+          <p:nvPr>
+            <p:ph idx="1"/>
+          </p:nvPr>
+        </p:nvSpPr>
         <p:spPr>
           <a:xfrm>
-            <a:off x="1404569" y="289560"/>
-            <a:ext cx="9601200" cy="675640"/>
+            <a:off x="1371600" y="2286000"/>
+            <a:ext cx="10403840" cy="3581400"/>
           </a:xfrm>
         </p:spPr>
         <p:txBody>
@@ -5890,29 +6187,271 @@
           </a:bodyPr>
           <a:lstStyle/>
           <a:p>
+            <a:r>
+              <a:rPr lang="ru-RU" sz="2800" dirty="0"/>
+              <a:t>Основная цель проекта – это разработать централизованную систему здравоохранения, позволяющую усовершенствовать информационную и программную поддержку основных процессов поликлиник. </a:t>
+            </a:r>
+          </a:p>
+        </p:txBody>
+      </p:sp>
+      <p:sp>
+        <p:nvSpPr>
+          <p:cNvPr id="4" name="Номер слайда 3">
+            <a:extLst>
+              <a:ext uri="{FF2B5EF4-FFF2-40B4-BE49-F238E27FC236}">
+                <a16:creationId xmlns="" xmlns:a16="http://schemas.microsoft.com/office/drawing/2014/main" id="{EA7E5E3C-4CF5-2E23-A52A-669E4F37F2DC}"/>
+              </a:ext>
+            </a:extLst>
+          </p:cNvPr>
+          <p:cNvSpPr>
+            <a:spLocks noGrp="1"/>
+          </p:cNvSpPr>
+          <p:nvPr>
+            <p:ph type="sldNum" sz="quarter" idx="12"/>
+          </p:nvPr>
+        </p:nvSpPr>
+        <p:spPr/>
+        <p:txBody>
+          <a:bodyPr/>
+          <a:lstStyle/>
+          <a:p>
+            <a:fld id="{97701FBD-09DE-4BDF-B53C-23B184A2051C}" type="slidenum">
+              <a:rPr lang="ru-RU" smtClean="0"/>
+              <a:t>2</a:t>
+            </a:fld>
+            <a:endParaRPr lang="ru-RU"/>
+          </a:p>
+        </p:txBody>
+      </p:sp>
+    </p:spTree>
+    <p:extLst>
+      <p:ext uri="{BB962C8B-B14F-4D97-AF65-F5344CB8AC3E}">
+        <p14:creationId xmlns:p14="http://schemas.microsoft.com/office/powerpoint/2010/main" val="3067841788"/>
+      </p:ext>
+    </p:extLst>
+  </p:cSld>
+  <p:clrMapOvr>
+    <a:masterClrMapping/>
+  </p:clrMapOvr>
+  <p:timing>
+    <p:tnLst>
+      <p:par>
+        <p:cTn id="1" dur="indefinite" restart="never" nodeType="tmRoot"/>
+      </p:par>
+    </p:tnLst>
+  </p:timing>
+</p:sld>
+</file>
+
+<file path=ppt/slides/slide3.xml><?xml version="1.0" encoding="utf-8"?>
+<p:sld xmlns:a="http://schemas.openxmlformats.org/drawingml/2006/main" xmlns:r="http://schemas.openxmlformats.org/officeDocument/2006/relationships" xmlns:p="http://schemas.openxmlformats.org/presentationml/2006/main">
+  <p:cSld>
+    <p:spTree>
+      <p:nvGrpSpPr>
+        <p:cNvPr id="1" name=""/>
+        <p:cNvGrpSpPr/>
+        <p:nvPr/>
+      </p:nvGrpSpPr>
+      <p:grpSpPr>
+        <a:xfrm>
+          <a:off x="0" y="0"/>
+          <a:ext cx="0" cy="0"/>
+          <a:chOff x="0" y="0"/>
+          <a:chExt cx="0" cy="0"/>
+        </a:xfrm>
+      </p:grpSpPr>
+      <p:sp>
+        <p:nvSpPr>
+          <p:cNvPr id="2" name="Заголовок 1">
+            <a:extLst>
+              <a:ext uri="{FF2B5EF4-FFF2-40B4-BE49-F238E27FC236}">
+                <a16:creationId xmlns="" xmlns:a16="http://schemas.microsoft.com/office/drawing/2014/main" id="{F624A74D-EC9B-8D3E-E88B-DA00CC643ADC}"/>
+              </a:ext>
+            </a:extLst>
+          </p:cNvPr>
+          <p:cNvSpPr>
+            <a:spLocks noGrp="1"/>
+          </p:cNvSpPr>
+          <p:nvPr>
+            <p:ph type="title"/>
+          </p:nvPr>
+        </p:nvSpPr>
+        <p:spPr>
+          <a:xfrm>
+            <a:off x="1467828" y="0"/>
+            <a:ext cx="9601200" cy="1485900"/>
+          </a:xfrm>
+        </p:spPr>
+        <p:txBody>
+          <a:bodyPr/>
+          <a:lstStyle/>
+          <a:p>
             <a:pPr algn="ctr"/>
             <a:r>
-              <a:rPr lang="ru-RU" sz="4000" dirty="0" smtClean="0"/>
-              <a:t>О системе</a:t>
-            </a:r>
-            <a:endParaRPr lang="ru-RU" sz="4000" dirty="0"/>
-          </a:p>
-        </p:txBody>
-      </p:sp>
-      <p:sp>
-        <p:nvSpPr>
-          <p:cNvPr id="4" name="Объект 3"/>
-          <p:cNvSpPr>
-            <a:spLocks noGrp="1"/>
-          </p:cNvSpPr>
-          <p:nvPr>
-            <p:ph idx="1"/>
-          </p:nvPr>
-        </p:nvSpPr>
+              <a:rPr lang="ru-RU" dirty="0"/>
+              <a:t>Проблема и решение</a:t>
+            </a:r>
+          </a:p>
+        </p:txBody>
+      </p:sp>
+      <p:sp>
+        <p:nvSpPr>
+          <p:cNvPr id="4" name="Номер слайда 3">
+            <a:extLst>
+              <a:ext uri="{FF2B5EF4-FFF2-40B4-BE49-F238E27FC236}">
+                <a16:creationId xmlns="" xmlns:a16="http://schemas.microsoft.com/office/drawing/2014/main" id="{F92081E0-D6EB-A2FC-03EE-79A1F8DCD603}"/>
+              </a:ext>
+            </a:extLst>
+          </p:cNvPr>
+          <p:cNvSpPr>
+            <a:spLocks noGrp="1"/>
+          </p:cNvSpPr>
+          <p:nvPr>
+            <p:ph type="sldNum" sz="quarter" idx="12"/>
+          </p:nvPr>
+        </p:nvSpPr>
+        <p:spPr/>
+        <p:txBody>
+          <a:bodyPr/>
+          <a:lstStyle/>
+          <a:p>
+            <a:fld id="{97701FBD-09DE-4BDF-B53C-23B184A2051C}" type="slidenum">
+              <a:rPr lang="ru-RU" smtClean="0"/>
+              <a:t>3</a:t>
+            </a:fld>
+            <a:endParaRPr lang="ru-RU"/>
+          </a:p>
+        </p:txBody>
+      </p:sp>
+      <p:pic>
+        <p:nvPicPr>
+          <p:cNvPr id="6" name="Рисунок 5">
+            <a:extLst>
+              <a:ext uri="{FF2B5EF4-FFF2-40B4-BE49-F238E27FC236}">
+                <a16:creationId xmlns="" xmlns:a16="http://schemas.microsoft.com/office/drawing/2014/main" id="{B858B7D9-DBC4-B200-414B-27B73094D9BB}"/>
+              </a:ext>
+            </a:extLst>
+          </p:cNvPr>
+          <p:cNvPicPr>
+            <a:picLocks noChangeAspect="1"/>
+          </p:cNvPicPr>
+          <p:nvPr/>
+        </p:nvPicPr>
+        <p:blipFill>
+          <a:blip r:embed="rId2">
+            <a:extLst>
+              <a:ext uri="{28A0092B-C50C-407E-A947-70E740481C1C}">
+                <a14:useLocalDpi xmlns:a14="http://schemas.microsoft.com/office/drawing/2010/main" val="0"/>
+              </a:ext>
+            </a:extLst>
+          </a:blip>
+          <a:stretch>
+            <a:fillRect/>
+          </a:stretch>
+        </p:blipFill>
         <p:spPr>
           <a:xfrm>
-            <a:off x="985520" y="1239520"/>
-            <a:ext cx="5455920" cy="4650740"/>
+            <a:off x="6197308" y="1082023"/>
+            <a:ext cx="5721784" cy="3810034"/>
+          </a:xfrm>
+          <a:prstGeom prst="rect">
+            <a:avLst/>
+          </a:prstGeom>
+        </p:spPr>
+      </p:pic>
+      <p:pic>
+        <p:nvPicPr>
+          <p:cNvPr id="12" name="Рисунок 11">
+            <a:extLst>
+              <a:ext uri="{FF2B5EF4-FFF2-40B4-BE49-F238E27FC236}">
+                <a16:creationId xmlns="" xmlns:a16="http://schemas.microsoft.com/office/drawing/2014/main" id="{50645A9C-2D93-9839-0B83-601013E7B899}"/>
+              </a:ext>
+            </a:extLst>
+          </p:cNvPr>
+          <p:cNvPicPr>
+            <a:picLocks noChangeAspect="1"/>
+          </p:cNvPicPr>
+          <p:nvPr/>
+        </p:nvPicPr>
+        <p:blipFill>
+          <a:blip r:embed="rId3" cstate="print">
+            <a:extLst>
+              <a:ext uri="{28A0092B-C50C-407E-A947-70E740481C1C}">
+                <a14:useLocalDpi xmlns:a14="http://schemas.microsoft.com/office/drawing/2010/main" val="0"/>
+              </a:ext>
+            </a:extLst>
+          </a:blip>
+          <a:stretch>
+            <a:fillRect/>
+          </a:stretch>
+        </p:blipFill>
+        <p:spPr>
+          <a:xfrm>
+            <a:off x="839894" y="2713615"/>
+            <a:ext cx="5256106" cy="3942078"/>
+          </a:xfrm>
+          <a:prstGeom prst="rect">
+            <a:avLst/>
+          </a:prstGeom>
+        </p:spPr>
+      </p:pic>
+    </p:spTree>
+    <p:extLst>
+      <p:ext uri="{BB962C8B-B14F-4D97-AF65-F5344CB8AC3E}">
+        <p14:creationId xmlns:p14="http://schemas.microsoft.com/office/powerpoint/2010/main" val="791279688"/>
+      </p:ext>
+    </p:extLst>
+  </p:cSld>
+  <p:clrMapOvr>
+    <a:masterClrMapping/>
+  </p:clrMapOvr>
+  <p:timing>
+    <p:tnLst>
+      <p:par>
+        <p:cTn id="1" dur="indefinite" restart="never" nodeType="tmRoot"/>
+      </p:par>
+    </p:tnLst>
+  </p:timing>
+</p:sld>
+</file>
+
+<file path=ppt/slides/slide4.xml><?xml version="1.0" encoding="utf-8"?>
+<p:sld xmlns:a="http://schemas.openxmlformats.org/drawingml/2006/main" xmlns:r="http://schemas.openxmlformats.org/officeDocument/2006/relationships" xmlns:p="http://schemas.openxmlformats.org/presentationml/2006/main">
+  <p:cSld>
+    <p:spTree>
+      <p:nvGrpSpPr>
+        <p:cNvPr id="1" name=""/>
+        <p:cNvGrpSpPr/>
+        <p:nvPr/>
+      </p:nvGrpSpPr>
+      <p:grpSpPr>
+        <a:xfrm>
+          <a:off x="0" y="0"/>
+          <a:ext cx="0" cy="0"/>
+          <a:chOff x="0" y="0"/>
+          <a:chExt cx="0" cy="0"/>
+        </a:xfrm>
+      </p:grpSpPr>
+      <p:sp>
+        <p:nvSpPr>
+          <p:cNvPr id="2" name="Заголовок 1">
+            <a:extLst>
+              <a:ext uri="{FF2B5EF4-FFF2-40B4-BE49-F238E27FC236}">
+                <a16:creationId xmlns="" xmlns:a16="http://schemas.microsoft.com/office/drawing/2014/main" id="{E5098CEA-47C9-5818-3D89-2573730D1698}"/>
+              </a:ext>
+            </a:extLst>
+          </p:cNvPr>
+          <p:cNvSpPr>
+            <a:spLocks noGrp="1"/>
+          </p:cNvSpPr>
+          <p:nvPr>
+            <p:ph type="title"/>
+          </p:nvPr>
+        </p:nvSpPr>
+        <p:spPr>
+          <a:xfrm>
+            <a:off x="1404569" y="289560"/>
+            <a:ext cx="9601200" cy="675640"/>
           </a:xfrm>
         </p:spPr>
         <p:txBody>
@@ -5921,11 +6460,41 @@
           </a:bodyPr>
           <a:lstStyle/>
           <a:p>
+            <a:pPr algn="ctr"/>
+            <a:r>
+              <a:rPr lang="ru-RU" sz="4000" dirty="0"/>
+              <a:t>О системе</a:t>
+            </a:r>
+          </a:p>
+        </p:txBody>
+      </p:sp>
+      <p:sp>
+        <p:nvSpPr>
+          <p:cNvPr id="4" name="Объект 3"/>
+          <p:cNvSpPr>
+            <a:spLocks noGrp="1"/>
+          </p:cNvSpPr>
+          <p:nvPr>
+            <p:ph idx="1"/>
+          </p:nvPr>
+        </p:nvSpPr>
+        <p:spPr>
+          <a:xfrm>
+            <a:off x="985520" y="1239520"/>
+            <a:ext cx="5455920" cy="4650740"/>
+          </a:xfrm>
+        </p:spPr>
+        <p:txBody>
+          <a:bodyPr>
+            <a:normAutofit/>
+          </a:bodyPr>
+          <a:lstStyle/>
+          <a:p>
             <a:pPr marL="0" indent="0">
               <a:buNone/>
             </a:pPr>
             <a:r>
-              <a:rPr lang="ru-RU" sz="2400" dirty="0" smtClean="0"/>
+              <a:rPr lang="ru-RU" sz="2400" dirty="0"/>
               <a:t>Врач:</a:t>
             </a:r>
           </a:p>
@@ -5935,7 +6504,6 @@
               <a:rPr lang="ru-RU" sz="2400" dirty="0"/>
               <a:t>Может просматривать расписание приема пациентов;</a:t>
             </a:r>
-            <a:endParaRPr lang="ru-RU" sz="2400" dirty="0"/>
           </a:p>
           <a:p>
             <a:pPr lvl="0"/>
@@ -5943,7 +6511,6 @@
               <a:rPr lang="ru-RU" sz="2400" dirty="0"/>
               <a:t>Может создавать, изменять и удалять записи на прием;</a:t>
             </a:r>
-            <a:endParaRPr lang="ru-RU" sz="2400" dirty="0"/>
           </a:p>
           <a:p>
             <a:pPr lvl="0"/>
@@ -5951,7 +6518,6 @@
               <a:rPr lang="ru-RU" sz="2400" dirty="0"/>
               <a:t>Может просматривать медицинскую историю пациента;</a:t>
             </a:r>
-            <a:endParaRPr lang="ru-RU" sz="2400" dirty="0"/>
           </a:p>
           <a:p>
             <a:pPr lvl="0"/>
@@ -5959,7 +6525,6 @@
               <a:rPr lang="ru-RU" sz="2400" dirty="0"/>
               <a:t>Может добавлять записи;</a:t>
             </a:r>
-            <a:endParaRPr lang="ru-RU" sz="2400" dirty="0"/>
           </a:p>
           <a:p>
             <a:pPr lvl="0"/>
@@ -5967,10 +6532,9 @@
               <a:rPr lang="ru-RU" sz="2400" dirty="0"/>
               <a:t>Может вносить диагнозы и рекомендации для пациентов;</a:t>
             </a:r>
+          </a:p>
+          <a:p>
             <a:endParaRPr lang="ru-RU" sz="2400" dirty="0"/>
-          </a:p>
-          <a:p>
-            <a:endParaRPr lang="ru-RU" sz="2400" dirty="0" smtClean="0"/>
           </a:p>
           <a:p>
             <a:pPr marL="0" indent="0">
@@ -6197,7 +6761,7 @@
               <a:buNone/>
             </a:pPr>
             <a:r>
-              <a:rPr lang="ru-RU" sz="2400" dirty="0" smtClean="0"/>
+              <a:rPr lang="ru-RU" sz="2400" dirty="0"/>
               <a:t>Регистратор:</a:t>
             </a:r>
           </a:p>
@@ -6207,7 +6771,6 @@
               <a:rPr lang="ru-RU" sz="2400" dirty="0"/>
               <a:t>Может создавать новых пациентов в системе;</a:t>
             </a:r>
-            <a:endParaRPr lang="ru-RU" sz="2400" dirty="0"/>
           </a:p>
           <a:p>
             <a:pPr lvl="0"/>
@@ -6215,7 +6778,6 @@
               <a:rPr lang="ru-RU" sz="2400" dirty="0"/>
               <a:t>Может записывать пациентов на прием к врачам;</a:t>
             </a:r>
-            <a:endParaRPr lang="ru-RU" sz="2400" dirty="0"/>
           </a:p>
           <a:p>
             <a:pPr lvl="0"/>
@@ -6223,7 +6785,6 @@
               <a:rPr lang="ru-RU" sz="2400" dirty="0"/>
               <a:t>Может просматривать и редактировать информацию о пациентах;</a:t>
             </a:r>
-            <a:endParaRPr lang="ru-RU" sz="2400" dirty="0"/>
           </a:p>
           <a:p>
             <a:pPr lvl="0"/>
@@ -6231,7 +6792,6 @@
               <a:rPr lang="ru-RU" sz="2400" dirty="0"/>
               <a:t>Может проверять доступность и свободное время в расписании врачей;</a:t>
             </a:r>
-            <a:endParaRPr lang="ru-RU" sz="2400" dirty="0"/>
           </a:p>
           <a:p>
             <a:pPr marL="0" indent="0">
@@ -6259,7 +6819,7 @@
           <a:p>
             <a:fld id="{97701FBD-09DE-4BDF-B53C-23B184A2051C}" type="slidenum">
               <a:rPr lang="ru-RU" smtClean="0"/>
-              <a:t>2</a:t>
+              <a:t>4</a:t>
             </a:fld>
             <a:endParaRPr lang="ru-RU"/>
           </a:p>
@@ -6285,7 +6845,7 @@
 </p:sld>
 </file>
 
-<file path=ppt/slides/slide3.xml><?xml version="1.0" encoding="utf-8"?>
+<file path=ppt/slides/slide5.xml><?xml version="1.0" encoding="utf-8"?>
 <p:sld xmlns:a="http://schemas.openxmlformats.org/drawingml/2006/main" xmlns:r="http://schemas.openxmlformats.org/officeDocument/2006/relationships" xmlns:p="http://schemas.openxmlformats.org/presentationml/2006/main">
   <p:cSld>
     <p:spTree>
@@ -6307,7 +6867,7 @@
           <p:cNvPr id="2" name="Заголовок 1">
             <a:extLst>
               <a:ext uri="{FF2B5EF4-FFF2-40B4-BE49-F238E27FC236}">
-                <a16:creationId xmlns:a16="http://schemas.microsoft.com/office/drawing/2014/main" xmlns="" id="{E8E0D8E1-BC96-F0D1-8711-F1A9313690DB}"/>
+                <a16:creationId xmlns="" xmlns:a16="http://schemas.microsoft.com/office/drawing/2014/main" id="{E8E0D8E1-BC96-F0D1-8711-F1A9313690DB}"/>
               </a:ext>
             </a:extLst>
           </p:cNvPr>
@@ -6338,10 +6898,6 @@
               </a:rPr>
               <a:t>Общие принципы организации системы</a:t>
             </a:r>
-            <a:endParaRPr lang="ru-RU" sz="4000" dirty="0">
-              <a:latin typeface="Times New Roman" pitchFamily="18" charset="0"/>
-              <a:cs typeface="Times New Roman" pitchFamily="18" charset="0"/>
-            </a:endParaRPr>
           </a:p>
         </p:txBody>
       </p:sp>
@@ -6370,8 +6926,8 @@
         </p:blipFill>
         <p:spPr bwMode="auto">
           <a:xfrm>
-            <a:off x="1105262" y="985519"/>
-            <a:ext cx="10670177" cy="5601843"/>
+            <a:off x="2717800" y="1535053"/>
+            <a:ext cx="8127999" cy="4267199"/>
           </a:xfrm>
           <a:prstGeom prst="rect">
             <a:avLst/>
@@ -6405,7 +6961,7 @@
           <a:p>
             <a:fld id="{97701FBD-09DE-4BDF-B53C-23B184A2051C}" type="slidenum">
               <a:rPr lang="ru-RU" smtClean="0"/>
-              <a:t>3</a:t>
+              <a:t>5</a:t>
             </a:fld>
             <a:endParaRPr lang="ru-RU"/>
           </a:p>
@@ -6431,7 +6987,7 @@
 </p:sld>
 </file>
 
-<file path=ppt/slides/slide4.xml><?xml version="1.0" encoding="utf-8"?>
+<file path=ppt/slides/slide6.xml><?xml version="1.0" encoding="utf-8"?>
 <p:sld xmlns:a="http://schemas.openxmlformats.org/drawingml/2006/main" xmlns:r="http://schemas.openxmlformats.org/officeDocument/2006/relationships" xmlns:p="http://schemas.openxmlformats.org/presentationml/2006/main">
   <p:cSld>
     <p:spTree>
@@ -6453,7 +7009,7 @@
           <p:cNvPr id="2" name="Заголовок 1">
             <a:extLst>
               <a:ext uri="{FF2B5EF4-FFF2-40B4-BE49-F238E27FC236}">
-                <a16:creationId xmlns:a16="http://schemas.microsoft.com/office/drawing/2014/main" xmlns="" id="{F15CBDFC-06C4-0019-13CB-25CAB2B21ACC}"/>
+                <a16:creationId xmlns="" xmlns:a16="http://schemas.microsoft.com/office/drawing/2014/main" id="{F15CBDFC-06C4-0019-13CB-25CAB2B21ACC}"/>
               </a:ext>
             </a:extLst>
           </p:cNvPr>
@@ -6480,7 +7036,6 @@
               <a:rPr lang="ru-RU" sz="4000" dirty="0"/>
               <a:t>Диаграмма классов-сущностей</a:t>
             </a:r>
-            <a:endParaRPr lang="ru-RU" sz="4000" dirty="0"/>
           </a:p>
         </p:txBody>
       </p:sp>
@@ -6567,7 +7122,7 @@
           <a:p>
             <a:fld id="{97701FBD-09DE-4BDF-B53C-23B184A2051C}" type="slidenum">
               <a:rPr lang="ru-RU" smtClean="0"/>
-              <a:t>4</a:t>
+              <a:t>6</a:t>
             </a:fld>
             <a:endParaRPr lang="ru-RU"/>
           </a:p>
@@ -6593,7 +7148,7 @@
 </p:sld>
 </file>
 
-<file path=ppt/slides/slide5.xml><?xml version="1.0" encoding="utf-8"?>
+<file path=ppt/slides/slide7.xml><?xml version="1.0" encoding="utf-8"?>
 <p:sld xmlns:a="http://schemas.openxmlformats.org/drawingml/2006/main" xmlns:r="http://schemas.openxmlformats.org/officeDocument/2006/relationships" xmlns:p="http://schemas.openxmlformats.org/presentationml/2006/main">
   <p:cSld>
     <p:spTree>
@@ -6615,7 +7170,7 @@
           <p:cNvPr id="2" name="Заголовок 1">
             <a:extLst>
               <a:ext uri="{FF2B5EF4-FFF2-40B4-BE49-F238E27FC236}">
-                <a16:creationId xmlns:a16="http://schemas.microsoft.com/office/drawing/2014/main" xmlns="" id="{C730E0CA-195E-6035-59DA-C5E99C8EF4C0}"/>
+                <a16:creationId xmlns="" xmlns:a16="http://schemas.microsoft.com/office/drawing/2014/main" id="{C730E0CA-195E-6035-59DA-C5E99C8EF4C0}"/>
               </a:ext>
             </a:extLst>
           </p:cNvPr>
@@ -6646,10 +7201,6 @@
               </a:rPr>
               <a:t>Диаграмма классов уровня бизнес-логики</a:t>
             </a:r>
-            <a:endParaRPr lang="ru-RU" sz="4000" dirty="0">
-              <a:latin typeface="Times New Roman" pitchFamily="18" charset="0"/>
-              <a:cs typeface="Times New Roman" pitchFamily="18" charset="0"/>
-            </a:endParaRPr>
           </a:p>
         </p:txBody>
       </p:sp>
@@ -6713,7 +7264,7 @@
           <a:p>
             <a:fld id="{97701FBD-09DE-4BDF-B53C-23B184A2051C}" type="slidenum">
               <a:rPr lang="ru-RU" smtClean="0"/>
-              <a:t>5</a:t>
+              <a:t>7</a:t>
             </a:fld>
             <a:endParaRPr lang="ru-RU"/>
           </a:p>
@@ -6739,7 +7290,7 @@
 </p:sld>
 </file>
 
-<file path=ppt/slides/slide6.xml><?xml version="1.0" encoding="utf-8"?>
+<file path=ppt/slides/slide8.xml><?xml version="1.0" encoding="utf-8"?>
 <p:sld xmlns:a="http://schemas.openxmlformats.org/drawingml/2006/main" xmlns:r="http://schemas.openxmlformats.org/officeDocument/2006/relationships" xmlns:p="http://schemas.openxmlformats.org/presentationml/2006/main">
   <p:cSld>
     <p:spTree>
@@ -6761,7 +7312,7 @@
           <p:cNvPr id="2" name="Заголовок 1">
             <a:extLst>
               <a:ext uri="{FF2B5EF4-FFF2-40B4-BE49-F238E27FC236}">
-                <a16:creationId xmlns:a16="http://schemas.microsoft.com/office/drawing/2014/main" xmlns="" id="{4FB7650D-4B4D-C29E-5ECF-1801440813B3}"/>
+                <a16:creationId xmlns="" xmlns:a16="http://schemas.microsoft.com/office/drawing/2014/main" id="{4FB7650D-4B4D-C29E-5ECF-1801440813B3}"/>
               </a:ext>
             </a:extLst>
           </p:cNvPr>
@@ -6786,24 +7337,46 @@
           <a:p>
             <a:pPr algn="ctr"/>
             <a:r>
-              <a:rPr lang="ru-RU" sz="4000" dirty="0" smtClean="0"/>
+              <a:rPr lang="ru-RU" sz="4000" dirty="0"/>
               <a:t>Сервис «</a:t>
             </a:r>
             <a:r>
-              <a:rPr lang="en-US" sz="4000" dirty="0" smtClean="0"/>
+              <a:rPr lang="en-US" sz="4000" dirty="0"/>
               <a:t>Schedule</a:t>
             </a:r>
             <a:r>
-              <a:rPr lang="ru-RU" sz="4000" dirty="0" smtClean="0"/>
+              <a:rPr lang="ru-RU" sz="4000" dirty="0"/>
               <a:t>»</a:t>
             </a:r>
-            <a:endParaRPr lang="ru-RU" sz="4000" dirty="0"/>
+          </a:p>
+        </p:txBody>
+      </p:sp>
+      <p:sp>
+        <p:nvSpPr>
+          <p:cNvPr id="4" name="Номер слайда 3"/>
+          <p:cNvSpPr>
+            <a:spLocks noGrp="1"/>
+          </p:cNvSpPr>
+          <p:nvPr>
+            <p:ph type="sldNum" sz="quarter" idx="12"/>
+          </p:nvPr>
+        </p:nvSpPr>
+        <p:spPr/>
+        <p:txBody>
+          <a:bodyPr/>
+          <a:lstStyle/>
+          <a:p>
+            <a:fld id="{97701FBD-09DE-4BDF-B53C-23B184A2051C}" type="slidenum">
+              <a:rPr lang="ru-RU" smtClean="0"/>
+              <a:t>8</a:t>
+            </a:fld>
+            <a:endParaRPr lang="ru-RU"/>
           </a:p>
         </p:txBody>
       </p:sp>
       <p:pic>
         <p:nvPicPr>
-          <p:cNvPr id="4098" name="Picture 2"/>
+          <p:cNvPr id="3074" name="Picture 2" descr="https://cdn.discordapp.com/attachments/1031976390297391104/1115984630676475984/2023-06-07_154318.png"/>
           <p:cNvPicPr>
             <a:picLocks noChangeAspect="1" noChangeArrowheads="1"/>
           </p:cNvPicPr>
@@ -6824,8 +7397,130 @@
         </p:blipFill>
         <p:spPr bwMode="auto">
           <a:xfrm>
-            <a:off x="849313" y="1885950"/>
-            <a:ext cx="11215064" cy="3732530"/>
+            <a:off x="898072" y="1280075"/>
+            <a:ext cx="11042650" cy="4280579"/>
+          </a:xfrm>
+          <a:prstGeom prst="rect">
+            <a:avLst/>
+          </a:prstGeom>
+          <a:noFill/>
+          <a:extLst>
+            <a:ext uri="{909E8E84-426E-40DD-AFC4-6F175D3DCCD1}">
+              <a14:hiddenFill xmlns:a14="http://schemas.microsoft.com/office/drawing/2010/main">
+                <a:solidFill>
+                  <a:srgbClr val="FFFFFF"/>
+                </a:solidFill>
+              </a14:hiddenFill>
+            </a:ext>
+          </a:extLst>
+        </p:spPr>
+      </p:pic>
+    </p:spTree>
+    <p:extLst>
+      <p:ext uri="{BB962C8B-B14F-4D97-AF65-F5344CB8AC3E}">
+        <p14:creationId xmlns:p14="http://schemas.microsoft.com/office/powerpoint/2010/main" val="773061562"/>
+      </p:ext>
+    </p:extLst>
+  </p:cSld>
+  <p:clrMapOvr>
+    <a:masterClrMapping/>
+  </p:clrMapOvr>
+  <p:timing>
+    <p:tnLst>
+      <p:par>
+        <p:cTn id="1" dur="indefinite" restart="never" nodeType="tmRoot"/>
+      </p:par>
+    </p:tnLst>
+  </p:timing>
+</p:sld>
+</file>
+
+<file path=ppt/slides/slide9.xml><?xml version="1.0" encoding="utf-8"?>
+<p:sld xmlns:a="http://schemas.openxmlformats.org/drawingml/2006/main" xmlns:r="http://schemas.openxmlformats.org/officeDocument/2006/relationships" xmlns:p="http://schemas.openxmlformats.org/presentationml/2006/main">
+  <p:cSld>
+    <p:spTree>
+      <p:nvGrpSpPr>
+        <p:cNvPr id="1" name=""/>
+        <p:cNvGrpSpPr/>
+        <p:nvPr/>
+      </p:nvGrpSpPr>
+      <p:grpSpPr>
+        <a:xfrm>
+          <a:off x="0" y="0"/>
+          <a:ext cx="0" cy="0"/>
+          <a:chOff x="0" y="0"/>
+          <a:chExt cx="0" cy="0"/>
+        </a:xfrm>
+      </p:grpSpPr>
+      <p:sp>
+        <p:nvSpPr>
+          <p:cNvPr id="2" name="Заголовок 1">
+            <a:extLst>
+              <a:ext uri="{FF2B5EF4-FFF2-40B4-BE49-F238E27FC236}">
+                <a16:creationId xmlns="" xmlns:a16="http://schemas.microsoft.com/office/drawing/2014/main" id="{4FB7650D-4B4D-C29E-5ECF-1801440813B3}"/>
+              </a:ext>
+            </a:extLst>
+          </p:cNvPr>
+          <p:cNvSpPr>
+            <a:spLocks noGrp="1"/>
+          </p:cNvSpPr>
+          <p:nvPr>
+            <p:ph type="title"/>
+          </p:nvPr>
+        </p:nvSpPr>
+        <p:spPr>
+          <a:xfrm>
+            <a:off x="1295400" y="149860"/>
+            <a:ext cx="9601200" cy="916940"/>
+          </a:xfrm>
+        </p:spPr>
+        <p:txBody>
+          <a:bodyPr>
+            <a:noAutofit/>
+          </a:bodyPr>
+          <a:lstStyle/>
+          <a:p>
+            <a:pPr algn="ctr"/>
+            <a:r>
+              <a:rPr lang="ru-RU" sz="3200" dirty="0"/>
+              <a:t>Сервис «</a:t>
+            </a:r>
+            <a:r>
+              <a:rPr lang="en-US" sz="3200" dirty="0" err="1"/>
+              <a:t>MedicalCard</a:t>
+            </a:r>
+            <a:r>
+              <a:rPr lang="ru-RU" sz="3200" dirty="0"/>
+              <a:t>»</a:t>
+            </a:r>
+          </a:p>
+        </p:txBody>
+      </p:sp>
+      <p:pic>
+        <p:nvPicPr>
+          <p:cNvPr id="5122" name="Picture 2"/>
+          <p:cNvPicPr>
+            <a:picLocks noChangeAspect="1" noChangeArrowheads="1"/>
+          </p:cNvPicPr>
+          <p:nvPr/>
+        </p:nvPicPr>
+        <p:blipFill>
+          <a:blip r:embed="rId2">
+            <a:extLst>
+              <a:ext uri="{28A0092B-C50C-407E-A947-70E740481C1C}">
+                <a14:useLocalDpi xmlns:a14="http://schemas.microsoft.com/office/drawing/2010/main" val="0"/>
+              </a:ext>
+            </a:extLst>
+          </a:blip>
+          <a:srcRect/>
+          <a:stretch>
+            <a:fillRect/>
+          </a:stretch>
+        </p:blipFill>
+        <p:spPr bwMode="auto">
+          <a:xfrm>
+            <a:off x="760700" y="2565400"/>
+            <a:ext cx="11431300" cy="2230120"/>
           </a:xfrm>
           <a:prstGeom prst="rect">
             <a:avLst/>
@@ -6882,176 +7577,7 @@
           <a:p>
             <a:fld id="{97701FBD-09DE-4BDF-B53C-23B184A2051C}" type="slidenum">
               <a:rPr lang="ru-RU" smtClean="0"/>
-              <a:t>6</a:t>
-            </a:fld>
-            <a:endParaRPr lang="ru-RU"/>
-          </a:p>
-        </p:txBody>
-      </p:sp>
-    </p:spTree>
-    <p:extLst>
-      <p:ext uri="{BB962C8B-B14F-4D97-AF65-F5344CB8AC3E}">
-        <p14:creationId xmlns:p14="http://schemas.microsoft.com/office/powerpoint/2010/main" val="773061562"/>
-      </p:ext>
-    </p:extLst>
-  </p:cSld>
-  <p:clrMapOvr>
-    <a:masterClrMapping/>
-  </p:clrMapOvr>
-  <p:timing>
-    <p:tnLst>
-      <p:par>
-        <p:cTn id="1" dur="indefinite" restart="never" nodeType="tmRoot"/>
-      </p:par>
-    </p:tnLst>
-  </p:timing>
-</p:sld>
-</file>
-
-<file path=ppt/slides/slide7.xml><?xml version="1.0" encoding="utf-8"?>
-<p:sld xmlns:a="http://schemas.openxmlformats.org/drawingml/2006/main" xmlns:r="http://schemas.openxmlformats.org/officeDocument/2006/relationships" xmlns:p="http://schemas.openxmlformats.org/presentationml/2006/main">
-  <p:cSld>
-    <p:spTree>
-      <p:nvGrpSpPr>
-        <p:cNvPr id="1" name=""/>
-        <p:cNvGrpSpPr/>
-        <p:nvPr/>
-      </p:nvGrpSpPr>
-      <p:grpSpPr>
-        <a:xfrm>
-          <a:off x="0" y="0"/>
-          <a:ext cx="0" cy="0"/>
-          <a:chOff x="0" y="0"/>
-          <a:chExt cx="0" cy="0"/>
-        </a:xfrm>
-      </p:grpSpPr>
-      <p:sp>
-        <p:nvSpPr>
-          <p:cNvPr id="2" name="Заголовок 1">
-            <a:extLst>
-              <a:ext uri="{FF2B5EF4-FFF2-40B4-BE49-F238E27FC236}">
-                <a16:creationId xmlns:a16="http://schemas.microsoft.com/office/drawing/2014/main" xmlns="" id="{4FB7650D-4B4D-C29E-5ECF-1801440813B3}"/>
-              </a:ext>
-            </a:extLst>
-          </p:cNvPr>
-          <p:cNvSpPr>
-            <a:spLocks noGrp="1"/>
-          </p:cNvSpPr>
-          <p:nvPr>
-            <p:ph type="title"/>
-          </p:nvPr>
-        </p:nvSpPr>
-        <p:spPr>
-          <a:xfrm>
-            <a:off x="1295400" y="149860"/>
-            <a:ext cx="9601200" cy="916940"/>
-          </a:xfrm>
-        </p:spPr>
-        <p:txBody>
-          <a:bodyPr>
-            <a:noAutofit/>
-          </a:bodyPr>
-          <a:lstStyle/>
-          <a:p>
-            <a:pPr algn="ctr"/>
-            <a:r>
-              <a:rPr lang="ru-RU" sz="3200" dirty="0" smtClean="0"/>
-              <a:t>Сервис «</a:t>
-            </a:r>
-            <a:r>
-              <a:rPr lang="en-US" sz="3200" dirty="0" err="1" smtClean="0"/>
-              <a:t>MedicalCard</a:t>
-            </a:r>
-            <a:r>
-              <a:rPr lang="ru-RU" sz="3200" dirty="0" smtClean="0"/>
-              <a:t>»</a:t>
-            </a:r>
-            <a:endParaRPr lang="ru-RU" sz="3200" dirty="0"/>
-          </a:p>
-        </p:txBody>
-      </p:sp>
-      <p:pic>
-        <p:nvPicPr>
-          <p:cNvPr id="5122" name="Picture 2"/>
-          <p:cNvPicPr>
-            <a:picLocks noChangeAspect="1" noChangeArrowheads="1"/>
-          </p:cNvPicPr>
-          <p:nvPr/>
-        </p:nvPicPr>
-        <p:blipFill>
-          <a:blip r:embed="rId2">
-            <a:extLst>
-              <a:ext uri="{28A0092B-C50C-407E-A947-70E740481C1C}">
-                <a14:useLocalDpi xmlns:a14="http://schemas.microsoft.com/office/drawing/2010/main" val="0"/>
-              </a:ext>
-            </a:extLst>
-          </a:blip>
-          <a:srcRect/>
-          <a:stretch>
-            <a:fillRect/>
-          </a:stretch>
-        </p:blipFill>
-        <p:spPr bwMode="auto">
-          <a:xfrm>
-            <a:off x="760700" y="2565400"/>
-            <a:ext cx="11431300" cy="2230120"/>
-          </a:xfrm>
-          <a:prstGeom prst="rect">
-            <a:avLst/>
-          </a:prstGeom>
-          <a:noFill/>
-          <a:ln>
-            <a:noFill/>
-          </a:ln>
-          <a:effectLst/>
-          <a:extLst>
-            <a:ext uri="{909E8E84-426E-40DD-AFC4-6F175D3DCCD1}">
-              <a14:hiddenFill xmlns:a14="http://schemas.microsoft.com/office/drawing/2010/main">
-                <a:solidFill>
-                  <a:schemeClr val="accent1"/>
-                </a:solidFill>
-              </a14:hiddenFill>
-            </a:ext>
-            <a:ext uri="{91240B29-F687-4F45-9708-019B960494DF}">
-              <a14:hiddenLine xmlns:a14="http://schemas.microsoft.com/office/drawing/2010/main" w="9525">
-                <a:solidFill>
-                  <a:schemeClr val="tx1"/>
-                </a:solidFill>
-                <a:miter lim="800000"/>
-                <a:headEnd/>
-                <a:tailEnd/>
-              </a14:hiddenLine>
-            </a:ext>
-            <a:ext uri="{AF507438-7753-43E0-B8FC-AC1667EBCBE1}">
-              <a14:hiddenEffects xmlns:a14="http://schemas.microsoft.com/office/drawing/2010/main">
-                <a:effectLst>
-                  <a:outerShdw dist="35921" dir="2700000" algn="ctr" rotWithShape="0">
-                    <a:schemeClr val="bg2"/>
-                  </a:outerShdw>
-                </a:effectLst>
-              </a14:hiddenEffects>
-            </a:ext>
-          </a:extLst>
-        </p:spPr>
-      </p:pic>
-      <p:sp>
-        <p:nvSpPr>
-          <p:cNvPr id="4" name="Номер слайда 3"/>
-          <p:cNvSpPr>
-            <a:spLocks noGrp="1"/>
-          </p:cNvSpPr>
-          <p:nvPr>
-            <p:ph type="sldNum" sz="quarter" idx="12"/>
-          </p:nvPr>
-        </p:nvSpPr>
-        <p:spPr/>
-        <p:txBody>
-          <a:bodyPr/>
-          <a:lstStyle/>
-          <a:p>
-            <a:fld id="{97701FBD-09DE-4BDF-B53C-23B184A2051C}" type="slidenum">
-              <a:rPr lang="ru-RU" smtClean="0"/>
-              <a:t>7</a:t>
+              <a:t>9</a:t>
             </a:fld>
             <a:endParaRPr lang="ru-RU"/>
           </a:p>
@@ -7061,309 +7587,6 @@
     <p:extLst>
       <p:ext uri="{BB962C8B-B14F-4D97-AF65-F5344CB8AC3E}">
         <p14:creationId xmlns:p14="http://schemas.microsoft.com/office/powerpoint/2010/main" val="967620519"/>
-      </p:ext>
-    </p:extLst>
-  </p:cSld>
-  <p:clrMapOvr>
-    <a:masterClrMapping/>
-  </p:clrMapOvr>
-  <p:timing>
-    <p:tnLst>
-      <p:par>
-        <p:cTn id="1" dur="indefinite" restart="never" nodeType="tmRoot"/>
-      </p:par>
-    </p:tnLst>
-  </p:timing>
-</p:sld>
-</file>
-
-<file path=ppt/slides/slide8.xml><?xml version="1.0" encoding="utf-8"?>
-<p:sld xmlns:a="http://schemas.openxmlformats.org/drawingml/2006/main" xmlns:r="http://schemas.openxmlformats.org/officeDocument/2006/relationships" xmlns:p="http://schemas.openxmlformats.org/presentationml/2006/main">
-  <p:cSld>
-    <p:spTree>
-      <p:nvGrpSpPr>
-        <p:cNvPr id="1" name=""/>
-        <p:cNvGrpSpPr/>
-        <p:nvPr/>
-      </p:nvGrpSpPr>
-      <p:grpSpPr>
-        <a:xfrm>
-          <a:off x="0" y="0"/>
-          <a:ext cx="0" cy="0"/>
-          <a:chOff x="0" y="0"/>
-          <a:chExt cx="0" cy="0"/>
-        </a:xfrm>
-      </p:grpSpPr>
-      <p:sp>
-        <p:nvSpPr>
-          <p:cNvPr id="2" name="Заголовок 1">
-            <a:extLst>
-              <a:ext uri="{FF2B5EF4-FFF2-40B4-BE49-F238E27FC236}">
-                <a16:creationId xmlns:a16="http://schemas.microsoft.com/office/drawing/2014/main" xmlns="" id="{4FB7650D-4B4D-C29E-5ECF-1801440813B3}"/>
-              </a:ext>
-            </a:extLst>
-          </p:cNvPr>
-          <p:cNvSpPr>
-            <a:spLocks noGrp="1"/>
-          </p:cNvSpPr>
-          <p:nvPr>
-            <p:ph type="title"/>
-          </p:nvPr>
-        </p:nvSpPr>
-        <p:spPr>
-          <a:xfrm>
-            <a:off x="1352939" y="161679"/>
-            <a:ext cx="10150151" cy="916940"/>
-          </a:xfrm>
-        </p:spPr>
-        <p:txBody>
-          <a:bodyPr>
-            <a:noAutofit/>
-          </a:bodyPr>
-          <a:lstStyle/>
-          <a:p>
-            <a:pPr algn="ctr"/>
-            <a:r>
-              <a:rPr lang="en-US" sz="4000" dirty="0" smtClean="0">
-                <a:latin typeface="Times New Roman" pitchFamily="18" charset="0"/>
-                <a:cs typeface="Times New Roman" pitchFamily="18" charset="0"/>
-              </a:rPr>
-              <a:t>HQL </a:t>
-            </a:r>
-            <a:r>
-              <a:rPr lang="ru-RU" sz="4000" dirty="0" smtClean="0">
-                <a:latin typeface="Times New Roman" pitchFamily="18" charset="0"/>
-                <a:cs typeface="Times New Roman" pitchFamily="18" charset="0"/>
-              </a:rPr>
-              <a:t>Запрос для получения медицинской карты по фильтру</a:t>
-            </a:r>
-            <a:endParaRPr lang="ru-RU" sz="4000" dirty="0">
-              <a:latin typeface="Times New Roman" pitchFamily="18" charset="0"/>
-              <a:cs typeface="Times New Roman" pitchFamily="18" charset="0"/>
-            </a:endParaRPr>
-          </a:p>
-        </p:txBody>
-      </p:sp>
-      <p:pic>
-        <p:nvPicPr>
-          <p:cNvPr id="6146" name="Picture 2"/>
-          <p:cNvPicPr>
-            <a:picLocks noChangeAspect="1" noChangeArrowheads="1"/>
-          </p:cNvPicPr>
-          <p:nvPr/>
-        </p:nvPicPr>
-        <p:blipFill>
-          <a:blip r:embed="rId2">
-            <a:extLst>
-              <a:ext uri="{28A0092B-C50C-407E-A947-70E740481C1C}">
-                <a14:useLocalDpi xmlns:a14="http://schemas.microsoft.com/office/drawing/2010/main" val="0"/>
-              </a:ext>
-            </a:extLst>
-          </a:blip>
-          <a:srcRect/>
-          <a:stretch>
-            <a:fillRect/>
-          </a:stretch>
-        </p:blipFill>
-        <p:spPr bwMode="auto">
-          <a:xfrm>
-            <a:off x="844549" y="2792730"/>
-            <a:ext cx="11303639" cy="1931670"/>
-          </a:xfrm>
-          <a:prstGeom prst="rect">
-            <a:avLst/>
-          </a:prstGeom>
-          <a:noFill/>
-          <a:ln>
-            <a:noFill/>
-          </a:ln>
-          <a:effectLst/>
-          <a:extLst>
-            <a:ext uri="{909E8E84-426E-40DD-AFC4-6F175D3DCCD1}">
-              <a14:hiddenFill xmlns:a14="http://schemas.microsoft.com/office/drawing/2010/main">
-                <a:solidFill>
-                  <a:schemeClr val="accent1"/>
-                </a:solidFill>
-              </a14:hiddenFill>
-            </a:ext>
-            <a:ext uri="{91240B29-F687-4F45-9708-019B960494DF}">
-              <a14:hiddenLine xmlns:a14="http://schemas.microsoft.com/office/drawing/2010/main" w="9525">
-                <a:solidFill>
-                  <a:schemeClr val="tx1"/>
-                </a:solidFill>
-                <a:miter lim="800000"/>
-                <a:headEnd/>
-                <a:tailEnd/>
-              </a14:hiddenLine>
-            </a:ext>
-            <a:ext uri="{AF507438-7753-43E0-B8FC-AC1667EBCBE1}">
-              <a14:hiddenEffects xmlns:a14="http://schemas.microsoft.com/office/drawing/2010/main">
-                <a:effectLst>
-                  <a:outerShdw dist="35921" dir="2700000" algn="ctr" rotWithShape="0">
-                    <a:schemeClr val="bg2"/>
-                  </a:outerShdw>
-                </a:effectLst>
-              </a14:hiddenEffects>
-            </a:ext>
-          </a:extLst>
-        </p:spPr>
-      </p:pic>
-      <p:sp>
-        <p:nvSpPr>
-          <p:cNvPr id="4" name="Номер слайда 3"/>
-          <p:cNvSpPr>
-            <a:spLocks noGrp="1"/>
-          </p:cNvSpPr>
-          <p:nvPr>
-            <p:ph type="sldNum" sz="quarter" idx="12"/>
-          </p:nvPr>
-        </p:nvSpPr>
-        <p:spPr/>
-        <p:txBody>
-          <a:bodyPr/>
-          <a:lstStyle/>
-          <a:p>
-            <a:fld id="{97701FBD-09DE-4BDF-B53C-23B184A2051C}" type="slidenum">
-              <a:rPr lang="ru-RU" smtClean="0"/>
-              <a:t>8</a:t>
-            </a:fld>
-            <a:endParaRPr lang="ru-RU"/>
-          </a:p>
-        </p:txBody>
-      </p:sp>
-    </p:spTree>
-    <p:extLst>
-      <p:ext uri="{BB962C8B-B14F-4D97-AF65-F5344CB8AC3E}">
-        <p14:creationId xmlns:p14="http://schemas.microsoft.com/office/powerpoint/2010/main" val="619977534"/>
-      </p:ext>
-    </p:extLst>
-  </p:cSld>
-  <p:clrMapOvr>
-    <a:masterClrMapping/>
-  </p:clrMapOvr>
-  <p:timing>
-    <p:tnLst>
-      <p:par>
-        <p:cTn id="1" dur="indefinite" restart="never" nodeType="tmRoot"/>
-      </p:par>
-    </p:tnLst>
-  </p:timing>
-</p:sld>
-</file>
-
-<file path=ppt/slides/slide9.xml><?xml version="1.0" encoding="utf-8"?>
-<p:sld xmlns:a="http://schemas.openxmlformats.org/drawingml/2006/main" xmlns:r="http://schemas.openxmlformats.org/officeDocument/2006/relationships" xmlns:p="http://schemas.openxmlformats.org/presentationml/2006/main">
-  <p:cSld>
-    <p:spTree>
-      <p:nvGrpSpPr>
-        <p:cNvPr id="1" name=""/>
-        <p:cNvGrpSpPr/>
-        <p:nvPr/>
-      </p:nvGrpSpPr>
-      <p:grpSpPr>
-        <a:xfrm>
-          <a:off x="0" y="0"/>
-          <a:ext cx="0" cy="0"/>
-          <a:chOff x="0" y="0"/>
-          <a:chExt cx="0" cy="0"/>
-        </a:xfrm>
-      </p:grpSpPr>
-      <p:sp>
-        <p:nvSpPr>
-          <p:cNvPr id="2" name="Заголовок 1">
-            <a:extLst>
-              <a:ext uri="{FF2B5EF4-FFF2-40B4-BE49-F238E27FC236}">
-                <a16:creationId xmlns:a16="http://schemas.microsoft.com/office/drawing/2014/main" xmlns="" id="{4FB7650D-4B4D-C29E-5ECF-1801440813B3}"/>
-              </a:ext>
-            </a:extLst>
-          </p:cNvPr>
-          <p:cNvSpPr>
-            <a:spLocks noGrp="1"/>
-          </p:cNvSpPr>
-          <p:nvPr>
-            <p:ph type="title"/>
-          </p:nvPr>
-        </p:nvSpPr>
-        <p:spPr>
-          <a:xfrm>
-            <a:off x="1286070" y="152349"/>
-            <a:ext cx="9919996" cy="916940"/>
-          </a:xfrm>
-        </p:spPr>
-        <p:txBody>
-          <a:bodyPr>
-            <a:noAutofit/>
-          </a:bodyPr>
-          <a:lstStyle/>
-          <a:p>
-            <a:pPr algn="ctr"/>
-            <a:r>
-              <a:rPr lang="ru-RU" sz="4000" dirty="0" smtClean="0">
-                <a:latin typeface="Times New Roman" pitchFamily="18" charset="0"/>
-                <a:cs typeface="Times New Roman" pitchFamily="18" charset="0"/>
-              </a:rPr>
-              <a:t>Тест план</a:t>
-            </a:r>
-            <a:endParaRPr lang="ru-RU" sz="4000" dirty="0">
-              <a:latin typeface="Times New Roman" pitchFamily="18" charset="0"/>
-              <a:cs typeface="Times New Roman" pitchFamily="18" charset="0"/>
-            </a:endParaRPr>
-          </a:p>
-        </p:txBody>
-      </p:sp>
-      <p:pic>
-        <p:nvPicPr>
-          <p:cNvPr id="5" name="Объект 4"/>
-          <p:cNvPicPr>
-            <a:picLocks noGrp="1"/>
-          </p:cNvPicPr>
-          <p:nvPr>
-            <p:ph idx="1"/>
-          </p:nvPr>
-        </p:nvPicPr>
-        <p:blipFill>
-          <a:blip r:embed="rId2"/>
-          <a:stretch>
-            <a:fillRect/>
-          </a:stretch>
-        </p:blipFill>
-        <p:spPr>
-          <a:xfrm>
-            <a:off x="3894076" y="965200"/>
-            <a:ext cx="4172964" cy="5892800"/>
-          </a:xfrm>
-          <a:prstGeom prst="rect">
-            <a:avLst/>
-          </a:prstGeom>
-        </p:spPr>
-      </p:pic>
-      <p:sp>
-        <p:nvSpPr>
-          <p:cNvPr id="4" name="Номер слайда 3"/>
-          <p:cNvSpPr>
-            <a:spLocks noGrp="1"/>
-          </p:cNvSpPr>
-          <p:nvPr>
-            <p:ph type="sldNum" sz="quarter" idx="12"/>
-          </p:nvPr>
-        </p:nvSpPr>
-        <p:spPr/>
-        <p:txBody>
-          <a:bodyPr/>
-          <a:lstStyle/>
-          <a:p>
-            <a:fld id="{97701FBD-09DE-4BDF-B53C-23B184A2051C}" type="slidenum">
-              <a:rPr lang="ru-RU" smtClean="0"/>
-              <a:t>9</a:t>
-            </a:fld>
-            <a:endParaRPr lang="ru-RU"/>
-          </a:p>
-        </p:txBody>
-      </p:sp>
-    </p:spTree>
-    <p:extLst>
-      <p:ext uri="{BB962C8B-B14F-4D97-AF65-F5344CB8AC3E}">
-        <p14:creationId xmlns:p14="http://schemas.microsoft.com/office/powerpoint/2010/main" val="3854768536"/>
       </p:ext>
     </p:extLst>
   </p:cSld>
@@ -7632,7 +7855,7 @@
   <a:extraClrSchemeLst/>
   <a:extLst>
     <a:ext uri="{05A4C25C-085E-4340-85A3-A5531E510DB2}">
-      <thm15:themeFamily xmlns:thm15="http://schemas.microsoft.com/office/thememl/2012/main" xmlns="" name="Crop" id="{EC9488ED-E761-4D60-9AC4-764D1FE2C171}" vid="{CE19780C-D67D-4C13-9DE9-A52BC3BA51B4}"/>
+      <thm15:themeFamily xmlns="" xmlns:thm15="http://schemas.microsoft.com/office/thememl/2012/main" name="Crop" id="{EC9488ED-E761-4D60-9AC4-764D1FE2C171}" vid="{CE19780C-D67D-4C13-9DE9-A52BC3BA51B4}"/>
     </a:ext>
   </a:extLst>
 </a:theme>
@@ -7927,7 +8150,7 @@
   <a:extraClrSchemeLst/>
   <a:extLst>
     <a:ext uri="{05A4C25C-085E-4340-85A3-A5531E510DB2}">
-      <thm15:themeFamily xmlns:thm15="http://schemas.microsoft.com/office/thememl/2012/main" xmlns="" name="Office Theme" id="{62F939B6-93AF-4DB8-9C6B-D6C7DFDC589F}" vid="{4A3C46E8-61CC-4603-A589-7422A47A8E4A}"/>
+      <thm15:themeFamily xmlns="" xmlns:thm15="http://schemas.microsoft.com/office/thememl/2012/main" name="Office Theme" id="{62F939B6-93AF-4DB8-9C6B-D6C7DFDC589F}" vid="{4A3C46E8-61CC-4603-A589-7422A47A8E4A}"/>
     </a:ext>
   </a:extLst>
 </a:theme>
